--- a/Apresentação_Professoras.pptx
+++ b/Apresentação_Professoras.pptx
@@ -216,7 +216,7 @@
             <a:fld id="{37A1BFF5-21BF-4160-B9BB-AE71C1FED557}" type="datetime1">
               <a:rPr lang="pt-PT" smtClean="0"/>
               <a:pPr algn="r" rtl="0"/>
-              <a:t>08/05/2015</a:t>
+              <a:t>11/05/2015</a:t>
             </a:fld>
             <a:endParaRPr lang="pt-PT" dirty="0"/>
           </a:p>
@@ -386,7 +386,7 @@
             <a:fld id="{9976EA48-158B-44E6-AD53-699CA8A0F7E6}" type="datetime1">
               <a:rPr lang="pt-PT" smtClean="0"/>
               <a:pPr/>
-              <a:t>08/05/2015</a:t>
+              <a:t>11/05/2015</a:t>
             </a:fld>
             <a:endParaRPr lang="pt-PT" dirty="0"/>
           </a:p>
@@ -657,6 +657,174 @@
 </p:notesMaster>
 </file>
 
+<file path=ppt/notesSlides/notesSlide1.xml><?xml version="1.0" encoding="utf-8"?>
+<p:notes xmlns:a="http://schemas.openxmlformats.org/drawingml/2006/main" xmlns:r="http://schemas.openxmlformats.org/officeDocument/2006/relationships" xmlns:p="http://schemas.openxmlformats.org/presentationml/2006/main">
+  <p:cSld>
+    <p:spTree>
+      <p:nvGrpSpPr>
+        <p:cNvPr id="1" name=""/>
+        <p:cNvGrpSpPr/>
+        <p:nvPr/>
+      </p:nvGrpSpPr>
+      <p:grpSpPr>
+        <a:xfrm>
+          <a:off x="0" y="0"/>
+          <a:ext cx="0" cy="0"/>
+          <a:chOff x="0" y="0"/>
+          <a:chExt cx="0" cy="0"/>
+        </a:xfrm>
+      </p:grpSpPr>
+      <p:sp>
+        <p:nvSpPr>
+          <p:cNvPr id="2" name="Marcador de Posição da Imagem do Diapositivo 1"/>
+          <p:cNvSpPr>
+            <a:spLocks noGrp="1" noRot="1" noChangeAspect="1"/>
+          </p:cNvSpPr>
+          <p:nvPr>
+            <p:ph type="sldImg"/>
+          </p:nvPr>
+        </p:nvSpPr>
+        <p:spPr/>
+      </p:sp>
+      <p:sp>
+        <p:nvSpPr>
+          <p:cNvPr id="3" name="Marcador de Posição de Notas 2"/>
+          <p:cNvSpPr>
+            <a:spLocks noGrp="1"/>
+          </p:cNvSpPr>
+          <p:nvPr>
+            <p:ph type="body" idx="1"/>
+          </p:nvPr>
+        </p:nvSpPr>
+        <p:spPr/>
+        <p:txBody>
+          <a:bodyPr/>
+          <a:lstStyle/>
+          <a:p>
+            <a:endParaRPr lang="pt-PT"/>
+          </a:p>
+        </p:txBody>
+      </p:sp>
+      <p:sp>
+        <p:nvSpPr>
+          <p:cNvPr id="4" name="Marcador de Posição do Número do Diapositivo 3"/>
+          <p:cNvSpPr>
+            <a:spLocks noGrp="1"/>
+          </p:cNvSpPr>
+          <p:nvPr>
+            <p:ph type="sldNum" sz="quarter" idx="10"/>
+          </p:nvPr>
+        </p:nvSpPr>
+        <p:spPr/>
+        <p:txBody>
+          <a:bodyPr/>
+          <a:lstStyle/>
+          <a:p>
+            <a:r>
+              <a:rPr lang="pt-PT" smtClean="0"/>
+              <a:t>‹#›</a:t>
+            </a:r>
+            <a:endParaRPr lang="pt-PT" dirty="0"/>
+          </a:p>
+        </p:txBody>
+      </p:sp>
+    </p:spTree>
+    <p:extLst>
+      <p:ext uri="{BB962C8B-B14F-4D97-AF65-F5344CB8AC3E}">
+        <p14:creationId xmlns:p14="http://schemas.microsoft.com/office/powerpoint/2010/main" val="3945671622"/>
+      </p:ext>
+    </p:extLst>
+  </p:cSld>
+  <p:clrMapOvr>
+    <a:masterClrMapping/>
+  </p:clrMapOvr>
+</p:notes>
+</file>
+
+<file path=ppt/notesSlides/notesSlide2.xml><?xml version="1.0" encoding="utf-8"?>
+<p:notes xmlns:a="http://schemas.openxmlformats.org/drawingml/2006/main" xmlns:r="http://schemas.openxmlformats.org/officeDocument/2006/relationships" xmlns:p="http://schemas.openxmlformats.org/presentationml/2006/main">
+  <p:cSld>
+    <p:spTree>
+      <p:nvGrpSpPr>
+        <p:cNvPr id="1" name=""/>
+        <p:cNvGrpSpPr/>
+        <p:nvPr/>
+      </p:nvGrpSpPr>
+      <p:grpSpPr>
+        <a:xfrm>
+          <a:off x="0" y="0"/>
+          <a:ext cx="0" cy="0"/>
+          <a:chOff x="0" y="0"/>
+          <a:chExt cx="0" cy="0"/>
+        </a:xfrm>
+      </p:grpSpPr>
+      <p:sp>
+        <p:nvSpPr>
+          <p:cNvPr id="2" name="Marcador de Posição da Imagem do Diapositivo 1"/>
+          <p:cNvSpPr>
+            <a:spLocks noGrp="1" noRot="1" noChangeAspect="1"/>
+          </p:cNvSpPr>
+          <p:nvPr>
+            <p:ph type="sldImg"/>
+          </p:nvPr>
+        </p:nvSpPr>
+        <p:spPr/>
+      </p:sp>
+      <p:sp>
+        <p:nvSpPr>
+          <p:cNvPr id="3" name="Marcador de Posição de Notas 2"/>
+          <p:cNvSpPr>
+            <a:spLocks noGrp="1"/>
+          </p:cNvSpPr>
+          <p:nvPr>
+            <p:ph type="body" idx="1"/>
+          </p:nvPr>
+        </p:nvSpPr>
+        <p:spPr/>
+        <p:txBody>
+          <a:bodyPr/>
+          <a:lstStyle/>
+          <a:p>
+            <a:endParaRPr lang="pt-PT"/>
+          </a:p>
+        </p:txBody>
+      </p:sp>
+      <p:sp>
+        <p:nvSpPr>
+          <p:cNvPr id="4" name="Marcador de Posição do Número do Diapositivo 3"/>
+          <p:cNvSpPr>
+            <a:spLocks noGrp="1"/>
+          </p:cNvSpPr>
+          <p:nvPr>
+            <p:ph type="sldNum" sz="quarter" idx="10"/>
+          </p:nvPr>
+        </p:nvSpPr>
+        <p:spPr/>
+        <p:txBody>
+          <a:bodyPr/>
+          <a:lstStyle/>
+          <a:p>
+            <a:r>
+              <a:rPr lang="pt-PT" smtClean="0"/>
+              <a:t>‹#›</a:t>
+            </a:r>
+            <a:endParaRPr lang="pt-PT" dirty="0"/>
+          </a:p>
+        </p:txBody>
+      </p:sp>
+    </p:spTree>
+    <p:extLst>
+      <p:ext uri="{BB962C8B-B14F-4D97-AF65-F5344CB8AC3E}">
+        <p14:creationId xmlns:p14="http://schemas.microsoft.com/office/powerpoint/2010/main" val="376002990"/>
+      </p:ext>
+    </p:extLst>
+  </p:cSld>
+  <p:clrMapOvr>
+    <a:masterClrMapping/>
+  </p:clrMapOvr>
+</p:notes>
+</file>
+
 <file path=ppt/slideLayouts/slideLayout1.xml><?xml version="1.0" encoding="utf-8"?>
 <p:sldLayout xmlns:a="http://schemas.openxmlformats.org/drawingml/2006/main" xmlns:r="http://schemas.openxmlformats.org/officeDocument/2006/relationships" xmlns:p="http://schemas.openxmlformats.org/presentationml/2006/main" showMasterSp="0" type="title" preserve="1">
   <p:cSld name="Diapositivo de Título">
@@ -914,9 +1082,9 @@
           <a:lstStyle/>
           <a:p>
             <a:pPr rtl="0"/>
-            <a:fld id="{91AC7CBD-17BA-4564-A78B-867AB4D84BAF}" type="datetime1">
+            <a:fld id="{0EDF9E83-E3DA-408D-85CA-63B9C848490F}" type="datetime1">
               <a:rPr lang="pt-PT" smtClean="0"/>
-              <a:t>08/05/2015</a:t>
+              <a:t>11/05/2015</a:t>
             </a:fld>
             <a:endParaRPr lang="pt-PT" dirty="0"/>
           </a:p>
@@ -988,11 +1156,11 @@
           <a:bodyPr rtlCol="0"/>
           <a:lstStyle/>
           <a:p>
-            <a:pPr rtl="0"/>
-            <a:r>
-              <a:rPr lang="pt-PT" dirty="0" smtClean="0"/>
-              <a:t>‹#›</a:t>
-            </a:r>
+            <a:fld id="{EFA6FAE9-D91F-4387-8F4C-B4B35D095979}" type="slidenum">
+              <a:rPr lang="pt-PT" smtClean="0"/>
+              <a:pPr/>
+              <a:t>‹nº›</a:t>
+            </a:fld>
             <a:endParaRPr lang="pt-PT" dirty="0"/>
           </a:p>
         </p:txBody>
@@ -1398,9 +1566,9 @@
             </a:lvl1pPr>
           </a:lstStyle>
           <a:p>
-            <a:fld id="{4713F5D0-830C-4962-94A4-BBDD74DFC88D}" type="datetime1">
+            <a:fld id="{C672435D-889D-4605-9B71-5777366C97E9}" type="datetime1">
               <a:rPr lang="pt-PT" smtClean="0"/>
-              <a:t>08/05/2015</a:t>
+              <a:t>11/05/2015</a:t>
             </a:fld>
             <a:endParaRPr lang="pt-PT" dirty="0"/>
           </a:p>
@@ -1490,10 +1658,11 @@
             </a:lvl1pPr>
           </a:lstStyle>
           <a:p>
-            <a:r>
-              <a:rPr lang="pt-PT" dirty="0" smtClean="0"/>
-              <a:t>‹#›</a:t>
-            </a:r>
+            <a:fld id="{DB55F5A6-5BE7-4022-9793-755C9C61BB5D}" type="slidenum">
+              <a:rPr lang="pt-PT" smtClean="0"/>
+              <a:pPr/>
+              <a:t>‹nº›</a:t>
+            </a:fld>
             <a:endParaRPr lang="pt-PT" dirty="0"/>
           </a:p>
         </p:txBody>
@@ -1746,9 +1915,9 @@
           <a:lstStyle/>
           <a:p>
             <a:pPr rtl="0"/>
-            <a:fld id="{A6B0A519-FF1E-4E03-AC96-013D178F918D}" type="datetime1">
+            <a:fld id="{3719EFB4-D578-406C-B5FC-CFD3FC5115D2}" type="datetime1">
               <a:rPr lang="pt-PT" smtClean="0"/>
-              <a:t>08/05/2015</a:t>
+              <a:t>11/05/2015</a:t>
             </a:fld>
             <a:endParaRPr lang="pt-PT" dirty="0"/>
           </a:p>
@@ -1804,11 +1973,11 @@
           <a:bodyPr rtlCol="0"/>
           <a:lstStyle/>
           <a:p>
-            <a:pPr rtl="0"/>
-            <a:r>
-              <a:rPr lang="pt-PT" dirty="0" smtClean="0"/>
-              <a:t>‹#›</a:t>
-            </a:r>
+            <a:fld id="{4F4D882F-3A11-44B4-8B0C-9F3F5427FF50}" type="slidenum">
+              <a:rPr lang="pt-PT" smtClean="0"/>
+              <a:pPr/>
+              <a:t>‹nº›</a:t>
+            </a:fld>
             <a:endParaRPr lang="pt-PT" dirty="0"/>
           </a:p>
         </p:txBody>
@@ -2193,9 +2362,9 @@
           <a:lstStyle/>
           <a:p>
             <a:pPr rtl="0"/>
-            <a:fld id="{292DE215-9969-4DA9-B33A-A364F2EE9811}" type="datetime1">
+            <a:fld id="{571B7CA9-9EE8-4EC4-B7E4-C13E6C098698}" type="datetime1">
               <a:rPr lang="pt-PT" smtClean="0"/>
-              <a:t>08/05/2015</a:t>
+              <a:t>11/05/2015</a:t>
             </a:fld>
             <a:endParaRPr lang="pt-PT" dirty="0"/>
           </a:p>
@@ -2251,11 +2420,11 @@
           <a:bodyPr rtlCol="0"/>
           <a:lstStyle/>
           <a:p>
-            <a:pPr rtl="0"/>
-            <a:r>
-              <a:rPr lang="pt-PT" dirty="0" smtClean="0"/>
-              <a:t>‹#›</a:t>
-            </a:r>
+            <a:fld id="{AD911454-EAD3-464C-8136-22D936E84195}" type="slidenum">
+              <a:rPr lang="pt-PT" smtClean="0"/>
+              <a:pPr/>
+              <a:t>‹nº›</a:t>
+            </a:fld>
             <a:endParaRPr lang="pt-PT" dirty="0"/>
           </a:p>
         </p:txBody>
@@ -2383,9 +2552,9 @@
           <a:lstStyle/>
           <a:p>
             <a:pPr rtl="0"/>
-            <a:fld id="{6B475633-534F-45A7-B0B6-0F8F351ECD8A}" type="datetime1">
+            <a:fld id="{A11C99E7-A041-4443-B313-69BCA096C13B}" type="datetime1">
               <a:rPr lang="pt-PT" smtClean="0"/>
-              <a:t>08/05/2015</a:t>
+              <a:t>11/05/2015</a:t>
             </a:fld>
             <a:endParaRPr lang="pt-PT" dirty="0"/>
           </a:p>
@@ -2441,12 +2610,12 @@
           <a:bodyPr rtlCol="0"/>
           <a:lstStyle/>
           <a:p>
-            <a:pPr rtl="0"/>
-            <a:r>
-              <a:rPr lang="pt-PT" dirty="0" smtClean="0"/>
-              <a:t>‹#›</a:t>
-            </a:r>
-            <a:endParaRPr lang="pt-PT" dirty="0"/>
+            <a:fld id="{79668581-1D55-41DB-9662-4A1AFC42014E}" type="slidenum">
+              <a:rPr lang="pt-PT" smtClean="0"/>
+              <a:pPr/>
+              <a:t>‹nº›</a:t>
+            </a:fld>
+            <a:endParaRPr lang="pt-PT" dirty="0" smtClean="0"/>
           </a:p>
         </p:txBody>
       </p:sp>
@@ -2550,9 +2719,9 @@
           <a:lstStyle/>
           <a:p>
             <a:pPr rtl="0"/>
-            <a:fld id="{087C4115-C081-498D-93A4-745608AEABE8}" type="datetime1">
+            <a:fld id="{D5BD57B6-C8DC-4166-B848-025F6D9B2932}" type="datetime1">
               <a:rPr lang="pt-PT" smtClean="0"/>
-              <a:t>08/05/2015</a:t>
+              <a:t>11/05/2015</a:t>
             </a:fld>
             <a:endParaRPr lang="pt-PT" dirty="0"/>
           </a:p>
@@ -2608,11 +2777,11 @@
           <a:bodyPr rtlCol="0"/>
           <a:lstStyle/>
           <a:p>
-            <a:pPr rtl="0"/>
-            <a:r>
-              <a:rPr lang="pt-PT" dirty="0" smtClean="0"/>
-              <a:t>‹#›</a:t>
-            </a:r>
+            <a:fld id="{2A5EF978-1F98-40A1-BD8D-C91A4F7A0841}" type="slidenum">
+              <a:rPr lang="pt-PT" smtClean="0"/>
+              <a:pPr/>
+              <a:t>‹nº›</a:t>
+            </a:fld>
             <a:endParaRPr lang="pt-PT" dirty="0"/>
           </a:p>
         </p:txBody>
@@ -2805,35 +2974,35 @@
           <a:p>
             <a:pPr lvl="0" rtl="0"/>
             <a:r>
-              <a:rPr lang="pt-PT" smtClean="0"/>
+              <a:rPr lang="pt-PT" dirty="0" smtClean="0"/>
               <a:t>Clique para editar os estilos</a:t>
             </a:r>
           </a:p>
           <a:p>
             <a:pPr lvl="1" rtl="0"/>
             <a:r>
-              <a:rPr lang="pt-PT" smtClean="0"/>
+              <a:rPr lang="pt-PT" dirty="0" smtClean="0"/>
               <a:t>Segundo nível</a:t>
             </a:r>
           </a:p>
           <a:p>
             <a:pPr lvl="2" rtl="0"/>
             <a:r>
-              <a:rPr lang="pt-PT" smtClean="0"/>
+              <a:rPr lang="pt-PT" dirty="0" smtClean="0"/>
               <a:t>Terceiro nível</a:t>
             </a:r>
           </a:p>
           <a:p>
             <a:pPr lvl="3" rtl="0"/>
             <a:r>
-              <a:rPr lang="pt-PT" smtClean="0"/>
+              <a:rPr lang="pt-PT" dirty="0" smtClean="0"/>
               <a:t>Quarto nível</a:t>
             </a:r>
           </a:p>
           <a:p>
             <a:pPr lvl="4" rtl="0"/>
             <a:r>
-              <a:rPr lang="pt-PT" smtClean="0"/>
+              <a:rPr lang="pt-PT" dirty="0" smtClean="0"/>
               <a:t>Quinto nível</a:t>
             </a:r>
             <a:endParaRPr lang="pt-PT" dirty="0"/>
@@ -2926,9 +3095,9 @@
           <a:lstStyle/>
           <a:p>
             <a:pPr rtl="0"/>
-            <a:fld id="{500B787E-5745-4DE6-84E9-6B3D5A80081F}" type="datetime1">
+            <a:fld id="{D494D41D-98D1-4117-9216-898FF0A2C660}" type="datetime1">
               <a:rPr lang="pt-PT" smtClean="0"/>
-              <a:t>08/05/2015</a:t>
+              <a:t>11/05/2015</a:t>
             </a:fld>
             <a:endParaRPr lang="pt-PT" dirty="0"/>
           </a:p>
@@ -2984,11 +3153,11 @@
           <a:bodyPr rtlCol="0"/>
           <a:lstStyle/>
           <a:p>
-            <a:pPr rtl="0"/>
-            <a:r>
-              <a:rPr lang="pt-PT" dirty="0" smtClean="0"/>
-              <a:t>‹#›</a:t>
-            </a:r>
+            <a:fld id="{C2166040-2622-41F6-AD37-1A5319C53B8F}" type="slidenum">
+              <a:rPr lang="pt-PT" smtClean="0"/>
+              <a:pPr/>
+              <a:t>‹nº›</a:t>
+            </a:fld>
             <a:endParaRPr lang="pt-PT" dirty="0"/>
           </a:p>
         </p:txBody>
@@ -3156,7 +3325,7 @@
           <a:p>
             <a:pPr rtl="0"/>
             <a:r>
-              <a:rPr lang="pt-PT" smtClean="0"/>
+              <a:rPr lang="pt-PT" dirty="0" smtClean="0"/>
               <a:t>Clique no ícone para adicionar uma imagem</a:t>
             </a:r>
             <a:endParaRPr lang="pt-PT" dirty="0"/>
@@ -3246,9 +3415,9 @@
           <a:lstStyle/>
           <a:p>
             <a:pPr rtl="0"/>
-            <a:fld id="{EFE141A0-1FB9-4DEB-ADFF-D9C472385D53}" type="datetime1">
+            <a:fld id="{A58BA3B0-D199-4628-8808-9D9747AE17FA}" type="datetime1">
               <a:rPr lang="pt-PT" smtClean="0"/>
-              <a:t>08/05/2015</a:t>
+              <a:t>11/05/2015</a:t>
             </a:fld>
             <a:endParaRPr lang="pt-PT" dirty="0"/>
           </a:p>
@@ -3304,12 +3473,12 @@
           <a:bodyPr rtlCol="0"/>
           <a:lstStyle/>
           <a:p>
-            <a:pPr rtl="0"/>
-            <a:r>
-              <a:rPr lang="pt-PT" dirty="0" smtClean="0"/>
-              <a:t>‹#›</a:t>
-            </a:r>
-            <a:endParaRPr lang="pt-PT" dirty="0"/>
+            <a:fld id="{437EF1CA-BD53-4D22-8BB1-4063FD2D2635}" type="slidenum">
+              <a:rPr lang="pt-PT" smtClean="0"/>
+              <a:pPr/>
+              <a:t>‹nº›</a:t>
+            </a:fld>
+            <a:endParaRPr lang="pt-PT" dirty="0" smtClean="0"/>
           </a:p>
         </p:txBody>
       </p:sp>
@@ -3626,9 +3795,9 @@
           </a:lstStyle>
           <a:p>
             <a:pPr rtl="0"/>
-            <a:fld id="{A24B92E2-433E-4BF3-9426-68C5E17B33A4}" type="datetime1">
+            <a:fld id="{F4DA9748-5395-4C78-8590-DF83EC36AA61}" type="datetime1">
               <a:rPr lang="pt-PT" smtClean="0"/>
-              <a:t>08/05/2015</a:t>
+              <a:t>11/05/2015</a:t>
             </a:fld>
             <a:endParaRPr lang="pt-PT" dirty="0"/>
           </a:p>
@@ -3719,10 +3888,11 @@
             </a:lvl1pPr>
           </a:lstStyle>
           <a:p>
-            <a:r>
-              <a:rPr lang="pt-PT" dirty="0" smtClean="0"/>
-              <a:t>‹#›</a:t>
-            </a:r>
+            <a:fld id="{68C4F562-CCC2-4F71-AD6E-431D64E18348}" type="slidenum">
+              <a:rPr lang="pt-PT" smtClean="0"/>
+              <a:pPr/>
+              <a:t>‹nº›</a:t>
+            </a:fld>
             <a:endParaRPr lang="pt-PT" dirty="0"/>
           </a:p>
         </p:txBody>
@@ -4225,9 +4395,54 @@
           <a:bodyPr/>
           <a:lstStyle/>
           <a:p>
-            <a:r>
-              <a:rPr lang="pt-PT" dirty="0" smtClean="0"/>
-              <a:t>Este sistema que vai permitir aos alunos comunicar entre eles durante o desenvolvimento de projeto, dentro ou fora de aula.</a:t>
+            <a:pPr algn="just"/>
+            <a:r>
+              <a:rPr lang="pt-PT" dirty="0" smtClean="0"/>
+              <a:t>Este sistema </a:t>
+            </a:r>
+            <a:r>
+              <a:rPr lang="pt-PT" dirty="0" smtClean="0"/>
+              <a:t>permite</a:t>
+            </a:r>
+            <a:r>
+              <a:rPr lang="pt-PT" dirty="0" smtClean="0"/>
+              <a:t> </a:t>
+            </a:r>
+            <a:r>
+              <a:rPr lang="pt-PT" dirty="0" smtClean="0"/>
+              <a:t>aos </a:t>
+            </a:r>
+            <a:r>
+              <a:rPr lang="pt-PT" dirty="0" smtClean="0"/>
+              <a:t>alunos e docentes </a:t>
+            </a:r>
+            <a:r>
+              <a:rPr lang="pt-PT" dirty="0" smtClean="0"/>
+              <a:t>comunicar entre </a:t>
+            </a:r>
+            <a:r>
+              <a:rPr lang="pt-PT" dirty="0" smtClean="0"/>
+              <a:t>si</a:t>
+            </a:r>
+            <a:r>
+              <a:rPr lang="pt-PT" dirty="0" smtClean="0"/>
+              <a:t> </a:t>
+            </a:r>
+            <a:r>
+              <a:rPr lang="pt-PT" dirty="0" smtClean="0"/>
+              <a:t>durante o desenvolvimento </a:t>
+            </a:r>
+            <a:r>
+              <a:rPr lang="pt-PT" dirty="0" smtClean="0"/>
+              <a:t>do</a:t>
+            </a:r>
+            <a:r>
+              <a:rPr lang="pt-PT" dirty="0" smtClean="0"/>
+              <a:t> </a:t>
+            </a:r>
+            <a:r>
+              <a:rPr lang="pt-PT" dirty="0" smtClean="0"/>
+              <a:t>projeto, dentro ou fora de aula.</a:t>
             </a:r>
             <a:endParaRPr lang="en-GB" dirty="0"/>
           </a:p>
@@ -4251,30 +4466,6 @@
             <a:r>
               <a:rPr lang="pt-PT" smtClean="0"/>
               <a:t>SharedPen – Projecto de Sistemas de Informação 2014/15</a:t>
-            </a:r>
-            <a:endParaRPr lang="pt-PT" dirty="0"/>
-          </a:p>
-        </p:txBody>
-      </p:sp>
-      <p:sp>
-        <p:nvSpPr>
-          <p:cNvPr id="6" name="Marcador de Posição do Número do Diapositivo 5"/>
-          <p:cNvSpPr>
-            <a:spLocks noGrp="1"/>
-          </p:cNvSpPr>
-          <p:nvPr>
-            <p:ph type="sldNum" sz="quarter" idx="12"/>
-          </p:nvPr>
-        </p:nvSpPr>
-        <p:spPr/>
-        <p:txBody>
-          <a:bodyPr/>
-          <a:lstStyle/>
-          <a:p>
-            <a:pPr rtl="0"/>
-            <a:r>
-              <a:rPr lang="pt-PT" smtClean="0"/>
-              <a:t>‹#›</a:t>
             </a:r>
             <a:endParaRPr lang="pt-PT" dirty="0"/>
           </a:p>
@@ -4304,6 +4495,30 @@
           </a:prstGeom>
         </p:spPr>
       </p:pic>
+      <p:sp>
+        <p:nvSpPr>
+          <p:cNvPr id="7" name="Marcador de Posição do Número do Diapositivo 6"/>
+          <p:cNvSpPr>
+            <a:spLocks noGrp="1"/>
+          </p:cNvSpPr>
+          <p:nvPr>
+            <p:ph type="sldNum" sz="quarter" idx="12"/>
+          </p:nvPr>
+        </p:nvSpPr>
+        <p:spPr/>
+        <p:txBody>
+          <a:bodyPr/>
+          <a:lstStyle/>
+          <a:p>
+            <a:pPr rtl="0"/>
+            <a:fld id="{5CFCF75F-3FDE-42C1-B742-B476AC284FAE}" type="slidenum">
+              <a:rPr lang="pt-PT" smtClean="0"/>
+              <a:t>10</a:t>
+            </a:fld>
+            <a:endParaRPr lang="pt-PT" dirty="0"/>
+          </a:p>
+        </p:txBody>
+      </p:sp>
     </p:spTree>
     <p:extLst>
       <p:ext uri="{BB962C8B-B14F-4D97-AF65-F5344CB8AC3E}">
@@ -4326,6 +4541,13 @@
       </p:transition>
     </mc:Fallback>
   </mc:AlternateContent>
+  <p:timing>
+    <p:tnLst>
+      <p:par>
+        <p:cTn id="1" dur="indefinite" restart="never" nodeType="tmRoot"/>
+      </p:par>
+    </p:tnLst>
+  </p:timing>
 </p:sld>
 </file>
 
@@ -4394,7 +4616,7 @@
       </p:sp>
       <p:sp>
         <p:nvSpPr>
-          <p:cNvPr id="4" name="Marcador de Posição do Número do Diapositivo 3"/>
+          <p:cNvPr id="6" name="Marcador de Posição do Número do Diapositivo 5"/>
           <p:cNvSpPr>
             <a:spLocks noGrp="1"/>
           </p:cNvSpPr>
@@ -4407,12 +4629,11 @@
           <a:bodyPr/>
           <a:lstStyle/>
           <a:p>
-            <a:pPr rtl="0"/>
-            <a:r>
-              <a:rPr lang="pt-PT" dirty="0" smtClean="0"/>
-              <a:t>‹#›</a:t>
-            </a:r>
-            <a:endParaRPr lang="pt-PT" dirty="0"/>
+            <a:fld id="{C0446EA9-11E0-46E3-AA0E-DE50AA790B19}" type="slidenum">
+              <a:rPr lang="pt-PT" smtClean="0"/>
+              <a:t>11</a:t>
+            </a:fld>
+            <a:endParaRPr lang="pt-PT" dirty="0" smtClean="0"/>
           </a:p>
         </p:txBody>
       </p:sp>
@@ -4482,7 +4703,7 @@
           <a:p>
             <a:r>
               <a:rPr lang="pt-PT" dirty="0" smtClean="0"/>
-              <a:t>Logotipo</a:t>
+              <a:t>Logótipo</a:t>
             </a:r>
             <a:endParaRPr lang="en-GB" dirty="0"/>
           </a:p>
@@ -4506,30 +4727,6 @@
             <a:r>
               <a:rPr lang="pt-PT" smtClean="0"/>
               <a:t>SharedPen – Projecto de Sistemas de Informação 2014/15</a:t>
-            </a:r>
-            <a:endParaRPr lang="pt-PT" dirty="0"/>
-          </a:p>
-        </p:txBody>
-      </p:sp>
-      <p:sp>
-        <p:nvSpPr>
-          <p:cNvPr id="4" name="Marcador de Posição do Número do Diapositivo 3"/>
-          <p:cNvSpPr>
-            <a:spLocks noGrp="1"/>
-          </p:cNvSpPr>
-          <p:nvPr>
-            <p:ph type="sldNum" sz="quarter" idx="12"/>
-          </p:nvPr>
-        </p:nvSpPr>
-        <p:spPr/>
-        <p:txBody>
-          <a:bodyPr/>
-          <a:lstStyle/>
-          <a:p>
-            <a:pPr rtl="0"/>
-            <a:r>
-              <a:rPr lang="pt-PT" smtClean="0"/>
-              <a:t>‹#›</a:t>
             </a:r>
             <a:endParaRPr lang="pt-PT" dirty="0"/>
           </a:p>
@@ -4544,7 +4741,7 @@
           <p:nvPr/>
         </p:nvPicPr>
         <p:blipFill>
-          <a:blip r:embed="rId2">
+          <a:blip r:embed="rId3">
             <a:extLst>
               <a:ext uri="{28A0092B-C50C-407E-A947-70E740481C1C}">
                 <a14:useLocalDpi xmlns:a14="http://schemas.microsoft.com/office/drawing/2010/main" val="0"/>
@@ -4573,8 +4770,8 @@
         </p:nvSpPr>
         <p:spPr>
           <a:xfrm>
-            <a:off x="3838471" y="5684818"/>
-            <a:ext cx="4950907" cy="369332"/>
+            <a:off x="4996803" y="5684818"/>
+            <a:ext cx="2195345" cy="369332"/>
           </a:xfrm>
           <a:prstGeom prst="rect">
             <a:avLst/>
@@ -4587,11 +4784,39 @@
           </a:bodyPr>
           <a:lstStyle/>
           <a:p>
-            <a:r>
-              <a:rPr lang="pt-PT" dirty="0" smtClean="0"/>
-              <a:t>Com ajuda de curso de ____ foi feito este logotipo.</a:t>
+            <a:pPr algn="ctr"/>
+            <a:r>
+              <a:rPr lang="pt-PT" dirty="0" smtClean="0"/>
+              <a:t>Proposta de logótipo</a:t>
+            </a:r>
+            <a:r>
+              <a:rPr lang="pt-PT" dirty="0" smtClean="0"/>
+              <a:t>.</a:t>
             </a:r>
             <a:endParaRPr lang="en-GB" dirty="0"/>
+          </a:p>
+        </p:txBody>
+      </p:sp>
+      <p:sp>
+        <p:nvSpPr>
+          <p:cNvPr id="8" name="Marcador de Posição do Número do Diapositivo 7"/>
+          <p:cNvSpPr>
+            <a:spLocks noGrp="1"/>
+          </p:cNvSpPr>
+          <p:nvPr>
+            <p:ph type="sldNum" sz="quarter" idx="12"/>
+          </p:nvPr>
+        </p:nvSpPr>
+        <p:spPr/>
+        <p:txBody>
+          <a:bodyPr/>
+          <a:lstStyle/>
+          <a:p>
+            <a:fld id="{E5A904EB-472A-402B-AA35-9E57583786AD}" type="slidenum">
+              <a:rPr lang="pt-PT" smtClean="0"/>
+              <a:t>2</a:t>
+            </a:fld>
+            <a:endParaRPr lang="pt-PT" dirty="0" smtClean="0"/>
           </a:p>
         </p:txBody>
       </p:sp>
@@ -4690,30 +4915,6 @@
           </a:p>
         </p:txBody>
       </p:sp>
-      <p:sp>
-        <p:nvSpPr>
-          <p:cNvPr id="4" name="Marcador de Posição do Número do Diapositivo 3"/>
-          <p:cNvSpPr>
-            <a:spLocks noGrp="1"/>
-          </p:cNvSpPr>
-          <p:nvPr>
-            <p:ph type="sldNum" sz="quarter" idx="12"/>
-          </p:nvPr>
-        </p:nvSpPr>
-        <p:spPr/>
-        <p:txBody>
-          <a:bodyPr/>
-          <a:lstStyle/>
-          <a:p>
-            <a:pPr rtl="0"/>
-            <a:r>
-              <a:rPr lang="pt-PT" smtClean="0"/>
-              <a:t>‹#›</a:t>
-            </a:r>
-            <a:endParaRPr lang="pt-PT" dirty="0"/>
-          </a:p>
-        </p:txBody>
-      </p:sp>
       <p:pic>
         <p:nvPicPr>
           <p:cNvPr id="5" name="Imagem 4"/>
@@ -4747,7 +4948,7 @@
         <p:spPr>
           <a:xfrm>
             <a:off x="894304" y="3436535"/>
-            <a:ext cx="4672484" cy="1477328"/>
+            <a:ext cx="4672484" cy="1200329"/>
           </a:xfrm>
           <a:prstGeom prst="rect">
             <a:avLst/>
@@ -4760,9 +4961,54 @@
           </a:bodyPr>
           <a:lstStyle/>
           <a:p>
-            <a:r>
-              <a:rPr lang="pt-PT" dirty="0" smtClean="0"/>
-              <a:t>A autentificação vai ser feita por um sistema de login, onde os alunos e docentes vão ter que inserir o </a:t>
+            <a:pPr algn="just"/>
+            <a:r>
+              <a:rPr lang="pt-PT" dirty="0" smtClean="0"/>
+              <a:t>A autentificação </a:t>
+            </a:r>
+            <a:r>
+              <a:rPr lang="pt-PT" dirty="0" smtClean="0"/>
+              <a:t>será</a:t>
+            </a:r>
+            <a:r>
+              <a:rPr lang="pt-PT" dirty="0" smtClean="0"/>
+              <a:t> </a:t>
+            </a:r>
+            <a:r>
+              <a:rPr lang="pt-PT" dirty="0" smtClean="0"/>
+              <a:t>feita </a:t>
+            </a:r>
+            <a:r>
+              <a:rPr lang="pt-PT" dirty="0" smtClean="0"/>
+              <a:t>através de</a:t>
+            </a:r>
+            <a:r>
+              <a:rPr lang="pt-PT" dirty="0" smtClean="0"/>
+              <a:t> </a:t>
+            </a:r>
+            <a:r>
+              <a:rPr lang="pt-PT" dirty="0" smtClean="0"/>
+              <a:t>um sistema de login, </a:t>
+            </a:r>
+            <a:r>
+              <a:rPr lang="pt-PT" dirty="0" smtClean="0"/>
+              <a:t>onde será solicitado aos</a:t>
+            </a:r>
+            <a:r>
+              <a:rPr lang="pt-PT" dirty="0" smtClean="0"/>
+              <a:t> </a:t>
+            </a:r>
+            <a:r>
+              <a:rPr lang="pt-PT" dirty="0" smtClean="0"/>
+              <a:t>alunos e docentes </a:t>
+            </a:r>
+            <a:r>
+              <a:rPr lang="pt-PT" dirty="0" smtClean="0"/>
+              <a:t>a inserção de um</a:t>
+            </a:r>
+            <a:r>
+              <a:rPr lang="pt-PT" dirty="0" smtClean="0"/>
+              <a:t> </a:t>
             </a:r>
             <a:r>
               <a:rPr lang="pt-PT" b="1" dirty="0" smtClean="0"/>
@@ -4773,14 +5019,41 @@
               <a:t> e </a:t>
             </a:r>
             <a:r>
+              <a:rPr lang="pt-PT" dirty="0" smtClean="0"/>
+              <a:t>uma </a:t>
+            </a:r>
+            <a:r>
               <a:rPr lang="pt-PT" b="1" dirty="0" smtClean="0"/>
-              <a:t>Password, </a:t>
-            </a:r>
-            <a:r>
-              <a:rPr lang="pt-PT" dirty="0" smtClean="0"/>
-              <a:t>também futuramente vai haver possibilidade de fazer autentificação de outra maneira. </a:t>
+              <a:t>Password</a:t>
+            </a:r>
+            <a:r>
+              <a:rPr lang="pt-PT" dirty="0" smtClean="0"/>
+              <a:t>. </a:t>
             </a:r>
             <a:endParaRPr lang="en-GB" b="1" dirty="0"/>
+          </a:p>
+        </p:txBody>
+      </p:sp>
+      <p:sp>
+        <p:nvSpPr>
+          <p:cNvPr id="8" name="Marcador de Posição do Número do Diapositivo 7"/>
+          <p:cNvSpPr>
+            <a:spLocks noGrp="1"/>
+          </p:cNvSpPr>
+          <p:nvPr>
+            <p:ph type="sldNum" sz="quarter" idx="12"/>
+          </p:nvPr>
+        </p:nvSpPr>
+        <p:spPr/>
+        <p:txBody>
+          <a:bodyPr/>
+          <a:lstStyle/>
+          <a:p>
+            <a:fld id="{E663ACF7-E40B-410C-9F79-B8CE0C9E360C}" type="slidenum">
+              <a:rPr lang="pt-PT" smtClean="0"/>
+              <a:t>3</a:t>
+            </a:fld>
+            <a:endParaRPr lang="pt-PT" dirty="0" smtClean="0"/>
           </a:p>
         </p:txBody>
       </p:sp>
@@ -4794,13 +5067,13 @@
   <p:clrMapOvr>
     <a:masterClrMapping/>
   </p:clrMapOvr>
-  <mc:AlternateContent xmlns:mc="http://schemas.openxmlformats.org/markup-compatibility/2006">
-    <mc:Choice xmlns:p14="http://schemas.microsoft.com/office/powerpoint/2010/main" Requires="p14">
+  <mc:AlternateContent xmlns:mc="http://schemas.openxmlformats.org/markup-compatibility/2006" xmlns:p14="http://schemas.microsoft.com/office/powerpoint/2010/main">
+    <mc:Choice Requires="p14">
       <p:transition spd="med" p14:dur="700">
         <p:fade/>
       </p:transition>
     </mc:Choice>
-    <mc:Fallback>
+    <mc:Fallback xmlns="">
       <p:transition spd="med">
         <p:fade/>
       </p:transition>
@@ -4881,30 +5154,6 @@
       </p:sp>
       <p:sp>
         <p:nvSpPr>
-          <p:cNvPr id="4" name="Marcador de Posição do Número do Diapositivo 3"/>
-          <p:cNvSpPr>
-            <a:spLocks noGrp="1"/>
-          </p:cNvSpPr>
-          <p:nvPr>
-            <p:ph type="sldNum" sz="quarter" idx="12"/>
-          </p:nvPr>
-        </p:nvSpPr>
-        <p:spPr/>
-        <p:txBody>
-          <a:bodyPr/>
-          <a:lstStyle/>
-          <a:p>
-            <a:pPr rtl="0"/>
-            <a:r>
-              <a:rPr lang="pt-PT" smtClean="0"/>
-              <a:t>‹#›</a:t>
-            </a:r>
-            <a:endParaRPr lang="pt-PT" dirty="0"/>
-          </a:p>
-        </p:txBody>
-      </p:sp>
-      <p:sp>
-        <p:nvSpPr>
           <p:cNvPr id="5" name="CaixaDeTexto 4"/>
           <p:cNvSpPr txBox="1"/>
           <p:nvPr/>
@@ -4937,7 +5186,7 @@
             </a:pPr>
             <a:r>
               <a:rPr lang="pt-PT" dirty="0" smtClean="0"/>
-              <a:t>Livro – Os alunos escrevem uma historia</a:t>
+              <a:t>Livro </a:t>
             </a:r>
           </a:p>
           <a:p>
@@ -4947,8 +5196,9 @@
             </a:pPr>
             <a:r>
               <a:rPr lang="pt-PT" dirty="0" smtClean="0"/>
-              <a:t>Poema - </a:t>
-            </a:r>
+              <a:t>Poema </a:t>
+            </a:r>
+            <a:endParaRPr lang="pt-PT" dirty="0" smtClean="0"/>
           </a:p>
           <a:p>
             <a:pPr marL="285750" indent="-285750">
@@ -4957,8 +5207,9 @@
             </a:pPr>
             <a:r>
               <a:rPr lang="pt-PT" dirty="0" smtClean="0"/>
-              <a:t>Jornal - </a:t>
-            </a:r>
+              <a:t>Jornal </a:t>
+            </a:r>
+            <a:endParaRPr lang="pt-PT" dirty="0" smtClean="0"/>
           </a:p>
           <a:p>
             <a:pPr marL="285750" indent="-285750">
@@ -4967,8 +5218,9 @@
             </a:pPr>
             <a:r>
               <a:rPr lang="pt-PT" dirty="0" smtClean="0"/>
-              <a:t>Desenho - </a:t>
-            </a:r>
+              <a:t>Desenho </a:t>
+            </a:r>
+            <a:endParaRPr lang="pt-PT" dirty="0" smtClean="0"/>
           </a:p>
           <a:p>
             <a:endParaRPr lang="pt-PT" dirty="0" smtClean="0"/>
@@ -5026,6 +5278,29 @@
           </a:prstGeom>
         </p:spPr>
       </p:pic>
+      <p:sp>
+        <p:nvSpPr>
+          <p:cNvPr id="7" name="Marcador de Posição do Número do Diapositivo 6"/>
+          <p:cNvSpPr>
+            <a:spLocks noGrp="1"/>
+          </p:cNvSpPr>
+          <p:nvPr>
+            <p:ph type="sldNum" sz="quarter" idx="12"/>
+          </p:nvPr>
+        </p:nvSpPr>
+        <p:spPr/>
+        <p:txBody>
+          <a:bodyPr/>
+          <a:lstStyle/>
+          <a:p>
+            <a:fld id="{814F17AB-204C-46DF-8E43-B24867AF7FF8}" type="slidenum">
+              <a:rPr lang="pt-PT" smtClean="0"/>
+              <a:t>4</a:t>
+            </a:fld>
+            <a:endParaRPr lang="pt-PT" dirty="0" smtClean="0"/>
+          </a:p>
+        </p:txBody>
+      </p:sp>
     </p:spTree>
     <p:extLst>
       <p:ext uri="{BB962C8B-B14F-4D97-AF65-F5344CB8AC3E}">
@@ -5036,13 +5311,13 @@
   <p:clrMapOvr>
     <a:masterClrMapping/>
   </p:clrMapOvr>
-  <mc:AlternateContent xmlns:mc="http://schemas.openxmlformats.org/markup-compatibility/2006">
-    <mc:Choice xmlns:p14="http://schemas.microsoft.com/office/powerpoint/2010/main" Requires="p14">
+  <mc:AlternateContent xmlns:mc="http://schemas.openxmlformats.org/markup-compatibility/2006" xmlns:p14="http://schemas.microsoft.com/office/powerpoint/2010/main">
+    <mc:Choice Requires="p14">
       <p:transition spd="med" p14:dur="700">
         <p:fade/>
       </p:transition>
     </mc:Choice>
-    <mc:Fallback>
+    <mc:Fallback xmlns="">
       <p:transition spd="med">
         <p:fade/>
       </p:transition>
@@ -5092,7 +5367,11 @@
           <a:p>
             <a:r>
               <a:rPr lang="pt-PT" dirty="0" smtClean="0"/>
-              <a:t>Tipos de paginas</a:t>
+              <a:t>Tipos de </a:t>
+            </a:r>
+            <a:r>
+              <a:rPr lang="pt-PT" dirty="0" smtClean="0"/>
+              <a:t>páginas</a:t>
             </a:r>
             <a:endParaRPr lang="en-GB" dirty="0"/>
           </a:p>
@@ -5116,30 +5395,6 @@
             <a:r>
               <a:rPr lang="pt-PT" smtClean="0"/>
               <a:t>SharedPen – Projecto de Sistemas de Informação 2014/15</a:t>
-            </a:r>
-            <a:endParaRPr lang="pt-PT" dirty="0"/>
-          </a:p>
-        </p:txBody>
-      </p:sp>
-      <p:sp>
-        <p:nvSpPr>
-          <p:cNvPr id="4" name="Marcador de Posição do Número do Diapositivo 3"/>
-          <p:cNvSpPr>
-            <a:spLocks noGrp="1"/>
-          </p:cNvSpPr>
-          <p:nvPr>
-            <p:ph type="sldNum" sz="quarter" idx="12"/>
-          </p:nvPr>
-        </p:nvSpPr>
-        <p:spPr/>
-        <p:txBody>
-          <a:bodyPr/>
-          <a:lstStyle/>
-          <a:p>
-            <a:pPr rtl="0"/>
-            <a:r>
-              <a:rPr lang="pt-PT" smtClean="0"/>
-              <a:t>‹#›</a:t>
             </a:r>
             <a:endParaRPr lang="pt-PT" dirty="0"/>
           </a:p>
@@ -5228,7 +5483,7 @@
         <p:spPr>
           <a:xfrm>
             <a:off x="1112434" y="5763946"/>
-            <a:ext cx="4746620" cy="369332"/>
+            <a:ext cx="4668970" cy="369332"/>
           </a:xfrm>
           <a:prstGeom prst="rect">
             <a:avLst/>
@@ -5243,9 +5498,40 @@
           <a:p>
             <a:r>
               <a:rPr lang="pt-PT" b="1" dirty="0" smtClean="0"/>
-              <a:t>Cada projeto pode usar todos tipos de paginas.</a:t>
+              <a:t>Cada projeto pode usar todos tipos de </a:t>
+            </a:r>
+            <a:r>
+              <a:rPr lang="pt-PT" b="1" dirty="0" smtClean="0"/>
+              <a:t>páginas</a:t>
+            </a:r>
+            <a:r>
+              <a:rPr lang="pt-PT" b="1" dirty="0" smtClean="0"/>
+              <a:t>.</a:t>
             </a:r>
             <a:endParaRPr lang="en-GB" b="1" dirty="0"/>
+          </a:p>
+        </p:txBody>
+      </p:sp>
+      <p:sp>
+        <p:nvSpPr>
+          <p:cNvPr id="8" name="Marcador de Posição do Número do Diapositivo 7"/>
+          <p:cNvSpPr>
+            <a:spLocks noGrp="1"/>
+          </p:cNvSpPr>
+          <p:nvPr>
+            <p:ph type="sldNum" sz="quarter" idx="12"/>
+          </p:nvPr>
+        </p:nvSpPr>
+        <p:spPr/>
+        <p:txBody>
+          <a:bodyPr/>
+          <a:lstStyle/>
+          <a:p>
+            <a:fld id="{0A735A47-44EB-4031-89B4-84AFE4BB36B0}" type="slidenum">
+              <a:rPr lang="pt-PT" smtClean="0"/>
+              <a:t>5</a:t>
+            </a:fld>
+            <a:endParaRPr lang="pt-PT" dirty="0" smtClean="0"/>
           </a:p>
         </p:txBody>
       </p:sp>
@@ -5259,13 +5545,13 @@
   <p:clrMapOvr>
     <a:masterClrMapping/>
   </p:clrMapOvr>
-  <mc:AlternateContent xmlns:mc="http://schemas.openxmlformats.org/markup-compatibility/2006">
-    <mc:Choice xmlns:p14="http://schemas.microsoft.com/office/powerpoint/2010/main" Requires="p14">
+  <mc:AlternateContent xmlns:mc="http://schemas.openxmlformats.org/markup-compatibility/2006" xmlns:p14="http://schemas.microsoft.com/office/powerpoint/2010/main">
+    <mc:Choice Requires="p14">
       <p:transition spd="med" p14:dur="700">
         <p:fade/>
       </p:transition>
     </mc:Choice>
-    <mc:Fallback>
+    <mc:Fallback xmlns="">
       <p:transition spd="med">
         <p:fade/>
       </p:transition>
@@ -5377,7 +5663,7 @@
       </p:sp>
       <p:sp>
         <p:nvSpPr>
-          <p:cNvPr id="6" name="Marcador de Posição do Número do Diapositivo 5"/>
+          <p:cNvPr id="8" name="Marcador de Posição do Número do Diapositivo 7"/>
           <p:cNvSpPr>
             <a:spLocks noGrp="1"/>
           </p:cNvSpPr>
@@ -5391,10 +5677,10 @@
           <a:lstStyle/>
           <a:p>
             <a:pPr rtl="0"/>
-            <a:r>
+            <a:fld id="{94CF88D8-E7BE-40A4-9B9B-4E3E5624E7EE}" type="slidenum">
               <a:rPr lang="pt-PT" smtClean="0"/>
-              <a:t>‹#›</a:t>
-            </a:r>
+              <a:t>6</a:t>
+            </a:fld>
             <a:endParaRPr lang="pt-PT" dirty="0"/>
           </a:p>
         </p:txBody>
@@ -5527,7 +5813,7 @@
       </p:sp>
       <p:sp>
         <p:nvSpPr>
-          <p:cNvPr id="6" name="Marcador de Posição do Número do Diapositivo 5"/>
+          <p:cNvPr id="8" name="Marcador de Posição do Número do Diapositivo 7"/>
           <p:cNvSpPr>
             <a:spLocks noGrp="1"/>
           </p:cNvSpPr>
@@ -5541,10 +5827,10 @@
           <a:lstStyle/>
           <a:p>
             <a:pPr rtl="0"/>
-            <a:r>
+            <a:fld id="{FA897F22-109E-426D-9746-8D13975853B7}" type="slidenum">
               <a:rPr lang="pt-PT" smtClean="0"/>
-              <a:t>‹#›</a:t>
-            </a:r>
+              <a:t>7</a:t>
+            </a:fld>
             <a:endParaRPr lang="pt-PT" dirty="0"/>
           </a:p>
         </p:txBody>
@@ -5677,7 +5963,7 @@
       </p:sp>
       <p:sp>
         <p:nvSpPr>
-          <p:cNvPr id="6" name="Marcador de Posição do Número do Diapositivo 5"/>
+          <p:cNvPr id="8" name="Marcador de Posição do Número do Diapositivo 7"/>
           <p:cNvSpPr>
             <a:spLocks noGrp="1"/>
           </p:cNvSpPr>
@@ -5691,10 +5977,10 @@
           <a:lstStyle/>
           <a:p>
             <a:pPr rtl="0"/>
-            <a:r>
+            <a:fld id="{511A6060-7F25-4F97-A4D9-1DE2E6AEEDBC}" type="slidenum">
               <a:rPr lang="pt-PT" smtClean="0"/>
-              <a:t>‹#›</a:t>
-            </a:r>
+              <a:t>8</a:t>
+            </a:fld>
             <a:endParaRPr lang="pt-PT" dirty="0"/>
           </a:p>
         </p:txBody>
@@ -5827,7 +6113,7 @@
       </p:sp>
       <p:sp>
         <p:nvSpPr>
-          <p:cNvPr id="6" name="Marcador de Posição do Número do Diapositivo 5"/>
+          <p:cNvPr id="8" name="Marcador de Posição do Número do Diapositivo 7"/>
           <p:cNvSpPr>
             <a:spLocks noGrp="1"/>
           </p:cNvSpPr>
@@ -5841,10 +6127,10 @@
           <a:lstStyle/>
           <a:p>
             <a:pPr rtl="0"/>
-            <a:r>
+            <a:fld id="{352ED2E8-8DC2-4B2A-8AF3-C909BCF87590}" type="slidenum">
               <a:rPr lang="pt-PT" smtClean="0"/>
-              <a:t>‹#›</a:t>
-            </a:r>
+              <a:t>9</a:t>
+            </a:fld>
             <a:endParaRPr lang="pt-PT" dirty="0"/>
           </a:p>
         </p:txBody>
@@ -5871,6 +6157,13 @@
       </p:transition>
     </mc:Fallback>
   </mc:AlternateContent>
+  <p:timing>
+    <p:tnLst>
+      <p:par>
+        <p:cTn id="1" dur="indefinite" restart="never" nodeType="tmRoot"/>
+      </p:par>
+    </p:tnLst>
+  </p:timing>
 </p:sld>
 </file>
 
@@ -6667,6 +6960,12 @@
 </file>
 
 <file path=customXml/item2.xml><?xml version="1.0" encoding="utf-8"?>
+<p:properties xmlns:p="http://schemas.microsoft.com/office/2006/metadata/properties" xmlns:xsi="http://www.w3.org/2001/XMLSchema-instance" xmlns:pc="http://schemas.microsoft.com/office/infopath/2007/PartnerControls">
+  <documentManagement/>
+</p:properties>
+</file>
+
+<file path=customXml/item3.xml><?xml version="1.0" encoding="utf-8"?>
 <ct:contentTypeSchema xmlns:ct="http://schemas.microsoft.com/office/2006/metadata/contentType" xmlns:ma="http://schemas.microsoft.com/office/2006/metadata/properties/metaAttributes" ct:_="" ma:_="" ma:contentTypeName="Document" ma:contentTypeID="0x0101007C1D5F340F01F94FA2FD29A5E6DC872E" ma:contentTypeVersion="0" ma:contentTypeDescription="Create a new document." ma:contentTypeScope="" ma:versionID="141aba3b8f8cb7f331be6546df69db50">
   <xsd:schema xmlns:xsd="http://www.w3.org/2001/XMLSchema" xmlns:xs="http://www.w3.org/2001/XMLSchema" xmlns:p="http://schemas.microsoft.com/office/2006/metadata/properties" targetNamespace="http://schemas.microsoft.com/office/2006/metadata/properties" ma:root="true" ma:fieldsID="f8e4ef66d87525153bd8907774ed28f8">
     <xsd:element name="properties">
@@ -6780,12 +7079,6 @@
 </ct:contentTypeSchema>
 </file>
 
-<file path=customXml/item3.xml><?xml version="1.0" encoding="utf-8"?>
-<p:properties xmlns:p="http://schemas.microsoft.com/office/2006/metadata/properties" xmlns:xsi="http://www.w3.org/2001/XMLSchema-instance" xmlns:pc="http://schemas.microsoft.com/office/infopath/2007/PartnerControls">
-  <documentManagement/>
-</p:properties>
-</file>
-
 <file path=customXml/itemProps1.xml><?xml version="1.0" encoding="utf-8"?>
 <ds:datastoreItem xmlns:ds="http://schemas.openxmlformats.org/officeDocument/2006/customXml" ds:itemID="{9F7A874A-6E55-415B-9061-8B2D43DC2F48}">
   <ds:schemaRefs>
@@ -6795,6 +7088,21 @@
 </file>
 
 <file path=customXml/itemProps2.xml><?xml version="1.0" encoding="utf-8"?>
+<ds:datastoreItem xmlns:ds="http://schemas.openxmlformats.org/officeDocument/2006/customXml" ds:itemID="{91BC99BC-3A63-4255-9D4F-38C5B80A3193}">
+  <ds:schemaRefs>
+    <ds:schemaRef ds:uri="http://schemas.microsoft.com/office/2006/documentManagement/types"/>
+    <ds:schemaRef ds:uri="http://purl.org/dc/terms/"/>
+    <ds:schemaRef ds:uri="http://schemas.openxmlformats.org/package/2006/metadata/core-properties"/>
+    <ds:schemaRef ds:uri="http://purl.org/dc/dcmitype/"/>
+    <ds:schemaRef ds:uri="http://schemas.microsoft.com/office/infopath/2007/PartnerControls"/>
+    <ds:schemaRef ds:uri="http://purl.org/dc/elements/1.1/"/>
+    <ds:schemaRef ds:uri="http://schemas.microsoft.com/office/2006/metadata/properties"/>
+    <ds:schemaRef ds:uri="http://www.w3.org/XML/1998/namespace"/>
+  </ds:schemaRefs>
+</ds:datastoreItem>
+</file>
+
+<file path=customXml/itemProps3.xml><?xml version="1.0" encoding="utf-8"?>
 <ds:datastoreItem xmlns:ds="http://schemas.openxmlformats.org/officeDocument/2006/customXml" ds:itemID="{9896FEF9-821E-45A6-82F2-0B1CE4CD8CF4}">
   <ds:schemaRefs>
     <ds:schemaRef ds:uri="http://schemas.microsoft.com/office/2006/metadata/contentType"/>
@@ -6808,19 +7116,4 @@
     <ds:schemaRef ds:uri="http://schemas.microsoft.com/office/infopath/2007/PartnerControls"/>
   </ds:schemaRefs>
 </ds:datastoreItem>
-</file>
-
-<file path=customXml/itemProps3.xml><?xml version="1.0" encoding="utf-8"?>
-<ds:datastoreItem xmlns:ds="http://schemas.openxmlformats.org/officeDocument/2006/customXml" ds:itemID="{91BC99BC-3A63-4255-9D4F-38C5B80A3193}">
-  <ds:schemaRefs>
-    <ds:schemaRef ds:uri="http://purl.org/dc/elements/1.1/"/>
-    <ds:schemaRef ds:uri="http://schemas.microsoft.com/office/2006/metadata/properties"/>
-    <ds:schemaRef ds:uri="http://purl.org/dc/terms/"/>
-    <ds:schemaRef ds:uri="http://schemas.microsoft.com/office/2006/documentManagement/types"/>
-    <ds:schemaRef ds:uri="http://purl.org/dc/dcmitype/"/>
-    <ds:schemaRef ds:uri="http://schemas.microsoft.com/office/infopath/2007/PartnerControls"/>
-    <ds:schemaRef ds:uri="http://schemas.openxmlformats.org/package/2006/metadata/core-properties"/>
-    <ds:schemaRef ds:uri="http://www.w3.org/XML/1998/namespace"/>
-  </ds:schemaRefs>
-</ds:datastoreItem>
 </file>
--- a/Apresentação_Professoras.pptx
+++ b/Apresentação_Professoras.pptx
@@ -216,7 +216,7 @@
             <a:fld id="{37A1BFF5-21BF-4160-B9BB-AE71C1FED557}" type="datetime1">
               <a:rPr lang="pt-PT" smtClean="0"/>
               <a:pPr algn="r" rtl="0"/>
-              <a:t>11/05/2015</a:t>
+              <a:t>13/05/2015</a:t>
             </a:fld>
             <a:endParaRPr lang="pt-PT" dirty="0"/>
           </a:p>
@@ -386,7 +386,7 @@
             <a:fld id="{9976EA48-158B-44E6-AD53-699CA8A0F7E6}" type="datetime1">
               <a:rPr lang="pt-PT" smtClean="0"/>
               <a:pPr/>
-              <a:t>11/05/2015</a:t>
+              <a:t>13/05/2015</a:t>
             </a:fld>
             <a:endParaRPr lang="pt-PT" dirty="0"/>
           </a:p>
@@ -1084,7 +1084,7 @@
             <a:pPr rtl="0"/>
             <a:fld id="{0EDF9E83-E3DA-408D-85CA-63B9C848490F}" type="datetime1">
               <a:rPr lang="pt-PT" smtClean="0"/>
-              <a:t>11/05/2015</a:t>
+              <a:t>13/05/2015</a:t>
             </a:fld>
             <a:endParaRPr lang="pt-PT" dirty="0"/>
           </a:p>
@@ -1568,7 +1568,7 @@
           <a:p>
             <a:fld id="{C672435D-889D-4605-9B71-5777366C97E9}" type="datetime1">
               <a:rPr lang="pt-PT" smtClean="0"/>
-              <a:t>11/05/2015</a:t>
+              <a:t>13/05/2015</a:t>
             </a:fld>
             <a:endParaRPr lang="pt-PT" dirty="0"/>
           </a:p>
@@ -1917,7 +1917,7 @@
             <a:pPr rtl="0"/>
             <a:fld id="{3719EFB4-D578-406C-B5FC-CFD3FC5115D2}" type="datetime1">
               <a:rPr lang="pt-PT" smtClean="0"/>
-              <a:t>11/05/2015</a:t>
+              <a:t>13/05/2015</a:t>
             </a:fld>
             <a:endParaRPr lang="pt-PT" dirty="0"/>
           </a:p>
@@ -2364,7 +2364,7 @@
             <a:pPr rtl="0"/>
             <a:fld id="{571B7CA9-9EE8-4EC4-B7E4-C13E6C098698}" type="datetime1">
               <a:rPr lang="pt-PT" smtClean="0"/>
-              <a:t>11/05/2015</a:t>
+              <a:t>13/05/2015</a:t>
             </a:fld>
             <a:endParaRPr lang="pt-PT" dirty="0"/>
           </a:p>
@@ -2554,7 +2554,7 @@
             <a:pPr rtl="0"/>
             <a:fld id="{A11C99E7-A041-4443-B313-69BCA096C13B}" type="datetime1">
               <a:rPr lang="pt-PT" smtClean="0"/>
-              <a:t>11/05/2015</a:t>
+              <a:t>13/05/2015</a:t>
             </a:fld>
             <a:endParaRPr lang="pt-PT" dirty="0"/>
           </a:p>
@@ -2721,7 +2721,7 @@
             <a:pPr rtl="0"/>
             <a:fld id="{D5BD57B6-C8DC-4166-B848-025F6D9B2932}" type="datetime1">
               <a:rPr lang="pt-PT" smtClean="0"/>
-              <a:t>11/05/2015</a:t>
+              <a:t>13/05/2015</a:t>
             </a:fld>
             <a:endParaRPr lang="pt-PT" dirty="0"/>
           </a:p>
@@ -3097,7 +3097,7 @@
             <a:pPr rtl="0"/>
             <a:fld id="{D494D41D-98D1-4117-9216-898FF0A2C660}" type="datetime1">
               <a:rPr lang="pt-PT" smtClean="0"/>
-              <a:t>11/05/2015</a:t>
+              <a:t>13/05/2015</a:t>
             </a:fld>
             <a:endParaRPr lang="pt-PT" dirty="0"/>
           </a:p>
@@ -3417,7 +3417,7 @@
             <a:pPr rtl="0"/>
             <a:fld id="{A58BA3B0-D199-4628-8808-9D9747AE17FA}" type="datetime1">
               <a:rPr lang="pt-PT" smtClean="0"/>
-              <a:t>11/05/2015</a:t>
+              <a:t>13/05/2015</a:t>
             </a:fld>
             <a:endParaRPr lang="pt-PT" dirty="0"/>
           </a:p>
@@ -3797,7 +3797,7 @@
             <a:pPr rtl="0"/>
             <a:fld id="{F4DA9748-5395-4C78-8590-DF83EC36AA61}" type="datetime1">
               <a:rPr lang="pt-PT" smtClean="0"/>
-              <a:t>11/05/2015</a:t>
+              <a:t>13/05/2015</a:t>
             </a:fld>
             <a:endParaRPr lang="pt-PT" dirty="0"/>
           </a:p>
@@ -4398,51 +4398,7 @@
             <a:pPr algn="just"/>
             <a:r>
               <a:rPr lang="pt-PT" dirty="0" smtClean="0"/>
-              <a:t>Este sistema </a:t>
-            </a:r>
-            <a:r>
-              <a:rPr lang="pt-PT" dirty="0" smtClean="0"/>
-              <a:t>permite</a:t>
-            </a:r>
-            <a:r>
-              <a:rPr lang="pt-PT" dirty="0" smtClean="0"/>
-              <a:t> </a:t>
-            </a:r>
-            <a:r>
-              <a:rPr lang="pt-PT" dirty="0" smtClean="0"/>
-              <a:t>aos </a:t>
-            </a:r>
-            <a:r>
-              <a:rPr lang="pt-PT" dirty="0" smtClean="0"/>
-              <a:t>alunos e docentes </a:t>
-            </a:r>
-            <a:r>
-              <a:rPr lang="pt-PT" dirty="0" smtClean="0"/>
-              <a:t>comunicar entre </a:t>
-            </a:r>
-            <a:r>
-              <a:rPr lang="pt-PT" dirty="0" smtClean="0"/>
-              <a:t>si</a:t>
-            </a:r>
-            <a:r>
-              <a:rPr lang="pt-PT" dirty="0" smtClean="0"/>
-              <a:t> </a:t>
-            </a:r>
-            <a:r>
-              <a:rPr lang="pt-PT" dirty="0" smtClean="0"/>
-              <a:t>durante o desenvolvimento </a:t>
-            </a:r>
-            <a:r>
-              <a:rPr lang="pt-PT" dirty="0" smtClean="0"/>
-              <a:t>do</a:t>
-            </a:r>
-            <a:r>
-              <a:rPr lang="pt-PT" dirty="0" smtClean="0"/>
-              <a:t> </a:t>
-            </a:r>
-            <a:r>
-              <a:rPr lang="pt-PT" dirty="0" smtClean="0"/>
-              <a:t>projeto, dentro ou fora de aula.</a:t>
+              <a:t>Este sistema permite aos alunos e docentes comunicar entre si durante o desenvolvimento do projeto, dentro ou fora de aula.</a:t>
             </a:r>
             <a:endParaRPr lang="en-GB" dirty="0"/>
           </a:p>
@@ -4787,11 +4743,7 @@
             <a:pPr algn="ctr"/>
             <a:r>
               <a:rPr lang="pt-PT" dirty="0" smtClean="0"/>
-              <a:t>Proposta de logótipo</a:t>
-            </a:r>
-            <a:r>
-              <a:rPr lang="pt-PT" dirty="0" smtClean="0"/>
-              <a:t>.</a:t>
+              <a:t>Proposta de logótipo.</a:t>
             </a:r>
             <a:endParaRPr lang="en-GB" dirty="0"/>
           </a:p>
@@ -4964,51 +4916,7 @@
             <a:pPr algn="just"/>
             <a:r>
               <a:rPr lang="pt-PT" dirty="0" smtClean="0"/>
-              <a:t>A autentificação </a:t>
-            </a:r>
-            <a:r>
-              <a:rPr lang="pt-PT" dirty="0" smtClean="0"/>
-              <a:t>será</a:t>
-            </a:r>
-            <a:r>
-              <a:rPr lang="pt-PT" dirty="0" smtClean="0"/>
-              <a:t> </a:t>
-            </a:r>
-            <a:r>
-              <a:rPr lang="pt-PT" dirty="0" smtClean="0"/>
-              <a:t>feita </a:t>
-            </a:r>
-            <a:r>
-              <a:rPr lang="pt-PT" dirty="0" smtClean="0"/>
-              <a:t>através de</a:t>
-            </a:r>
-            <a:r>
-              <a:rPr lang="pt-PT" dirty="0" smtClean="0"/>
-              <a:t> </a:t>
-            </a:r>
-            <a:r>
-              <a:rPr lang="pt-PT" dirty="0" smtClean="0"/>
-              <a:t>um sistema de login, </a:t>
-            </a:r>
-            <a:r>
-              <a:rPr lang="pt-PT" dirty="0" smtClean="0"/>
-              <a:t>onde será solicitado aos</a:t>
-            </a:r>
-            <a:r>
-              <a:rPr lang="pt-PT" dirty="0" smtClean="0"/>
-              <a:t> </a:t>
-            </a:r>
-            <a:r>
-              <a:rPr lang="pt-PT" dirty="0" smtClean="0"/>
-              <a:t>alunos e docentes </a:t>
-            </a:r>
-            <a:r>
-              <a:rPr lang="pt-PT" dirty="0" smtClean="0"/>
-              <a:t>a inserção de um</a:t>
-            </a:r>
-            <a:r>
-              <a:rPr lang="pt-PT" dirty="0" smtClean="0"/>
-              <a:t> </a:t>
+              <a:t>A autentificação será feita através de um sistema de login, onde será solicitado aos alunos e docentes a inserção de um </a:t>
             </a:r>
             <a:r>
               <a:rPr lang="pt-PT" b="1" dirty="0" smtClean="0"/>
@@ -5016,11 +4924,7 @@
             </a:r>
             <a:r>
               <a:rPr lang="pt-PT" dirty="0" smtClean="0"/>
-              <a:t> e </a:t>
-            </a:r>
-            <a:r>
-              <a:rPr lang="pt-PT" dirty="0" smtClean="0"/>
-              <a:t>uma </a:t>
+              <a:t> e uma </a:t>
             </a:r>
             <a:r>
               <a:rPr lang="pt-PT" b="1" dirty="0" smtClean="0"/>
@@ -5198,7 +5102,6 @@
               <a:rPr lang="pt-PT" dirty="0" smtClean="0"/>
               <a:t>Poema </a:t>
             </a:r>
-            <a:endParaRPr lang="pt-PT" dirty="0" smtClean="0"/>
           </a:p>
           <a:p>
             <a:pPr marL="285750" indent="-285750">
@@ -5209,7 +5112,6 @@
               <a:rPr lang="pt-PT" dirty="0" smtClean="0"/>
               <a:t>Jornal </a:t>
             </a:r>
-            <a:endParaRPr lang="pt-PT" dirty="0" smtClean="0"/>
           </a:p>
           <a:p>
             <a:pPr marL="285750" indent="-285750">
@@ -5220,7 +5122,6 @@
               <a:rPr lang="pt-PT" dirty="0" smtClean="0"/>
               <a:t>Desenho </a:t>
             </a:r>
-            <a:endParaRPr lang="pt-PT" dirty="0" smtClean="0"/>
           </a:p>
           <a:p>
             <a:endParaRPr lang="pt-PT" dirty="0" smtClean="0"/>
@@ -5301,6 +5202,47 @@
           </a:p>
         </p:txBody>
       </p:sp>
+      <p:pic>
+        <p:nvPicPr>
+          <p:cNvPr id="1026" name="Picture 2" descr="http://localhost:8080/img/Poema.png"/>
+          <p:cNvPicPr>
+            <a:picLocks noChangeAspect="1" noChangeArrowheads="1"/>
+          </p:cNvPicPr>
+          <p:nvPr/>
+        </p:nvPicPr>
+        <p:blipFill>
+          <a:blip r:embed="rId4" cstate="print">
+            <a:extLst>
+              <a:ext uri="{28A0092B-C50C-407E-A947-70E740481C1C}">
+                <a14:useLocalDpi xmlns:a14="http://schemas.microsoft.com/office/drawing/2010/main" val="0"/>
+              </a:ext>
+            </a:extLst>
+          </a:blip>
+          <a:srcRect/>
+          <a:stretch>
+            <a:fillRect/>
+          </a:stretch>
+        </p:blipFill>
+        <p:spPr bwMode="auto">
+          <a:xfrm>
+            <a:off x="3669740" y="4333072"/>
+            <a:ext cx="691587" cy="691587"/>
+          </a:xfrm>
+          <a:prstGeom prst="rect">
+            <a:avLst/>
+          </a:prstGeom>
+          <a:noFill/>
+          <a:extLst>
+            <a:ext uri="{909E8E84-426E-40DD-AFC4-6F175D3DCCD1}">
+              <a14:hiddenFill xmlns:a14="http://schemas.microsoft.com/office/drawing/2010/main">
+                <a:solidFill>
+                  <a:srgbClr val="FFFFFF"/>
+                </a:solidFill>
+              </a14:hiddenFill>
+            </a:ext>
+          </a:extLst>
+        </p:spPr>
+      </p:pic>
     </p:spTree>
     <p:extLst>
       <p:ext uri="{BB962C8B-B14F-4D97-AF65-F5344CB8AC3E}">
@@ -5367,11 +5309,7 @@
           <a:p>
             <a:r>
               <a:rPr lang="pt-PT" dirty="0" smtClean="0"/>
-              <a:t>Tipos de </a:t>
-            </a:r>
-            <a:r>
-              <a:rPr lang="pt-PT" dirty="0" smtClean="0"/>
-              <a:t>páginas</a:t>
+              <a:t>Tipos de páginas</a:t>
             </a:r>
             <a:endParaRPr lang="en-GB" dirty="0"/>
           </a:p>
@@ -5498,15 +5436,7 @@
           <a:p>
             <a:r>
               <a:rPr lang="pt-PT" b="1" dirty="0" smtClean="0"/>
-              <a:t>Cada projeto pode usar todos tipos de </a:t>
-            </a:r>
-            <a:r>
-              <a:rPr lang="pt-PT" b="1" dirty="0" smtClean="0"/>
-              <a:t>páginas</a:t>
-            </a:r>
-            <a:r>
-              <a:rPr lang="pt-PT" b="1" dirty="0" smtClean="0"/>
-              <a:t>.</a:t>
+              <a:t>Cada projeto pode usar todos tipos de páginas.</a:t>
             </a:r>
             <a:endParaRPr lang="en-GB" b="1" dirty="0"/>
           </a:p>
@@ -6960,12 +6890,6 @@
 </file>
 
 <file path=customXml/item2.xml><?xml version="1.0" encoding="utf-8"?>
-<p:properties xmlns:p="http://schemas.microsoft.com/office/2006/metadata/properties" xmlns:xsi="http://www.w3.org/2001/XMLSchema-instance" xmlns:pc="http://schemas.microsoft.com/office/infopath/2007/PartnerControls">
-  <documentManagement/>
-</p:properties>
-</file>
-
-<file path=customXml/item3.xml><?xml version="1.0" encoding="utf-8"?>
 <ct:contentTypeSchema xmlns:ct="http://schemas.microsoft.com/office/2006/metadata/contentType" xmlns:ma="http://schemas.microsoft.com/office/2006/metadata/properties/metaAttributes" ct:_="" ma:_="" ma:contentTypeName="Document" ma:contentTypeID="0x0101007C1D5F340F01F94FA2FD29A5E6DC872E" ma:contentTypeVersion="0" ma:contentTypeDescription="Create a new document." ma:contentTypeScope="" ma:versionID="141aba3b8f8cb7f331be6546df69db50">
   <xsd:schema xmlns:xsd="http://www.w3.org/2001/XMLSchema" xmlns:xs="http://www.w3.org/2001/XMLSchema" xmlns:p="http://schemas.microsoft.com/office/2006/metadata/properties" targetNamespace="http://schemas.microsoft.com/office/2006/metadata/properties" ma:root="true" ma:fieldsID="f8e4ef66d87525153bd8907774ed28f8">
     <xsd:element name="properties">
@@ -7079,6 +7003,12 @@
 </ct:contentTypeSchema>
 </file>
 
+<file path=customXml/item3.xml><?xml version="1.0" encoding="utf-8"?>
+<p:properties xmlns:p="http://schemas.microsoft.com/office/2006/metadata/properties" xmlns:xsi="http://www.w3.org/2001/XMLSchema-instance" xmlns:pc="http://schemas.microsoft.com/office/infopath/2007/PartnerControls">
+  <documentManagement/>
+</p:properties>
+</file>
+
 <file path=customXml/itemProps1.xml><?xml version="1.0" encoding="utf-8"?>
 <ds:datastoreItem xmlns:ds="http://schemas.openxmlformats.org/officeDocument/2006/customXml" ds:itemID="{9F7A874A-6E55-415B-9061-8B2D43DC2F48}">
   <ds:schemaRefs>
@@ -7088,21 +7018,6 @@
 </file>
 
 <file path=customXml/itemProps2.xml><?xml version="1.0" encoding="utf-8"?>
-<ds:datastoreItem xmlns:ds="http://schemas.openxmlformats.org/officeDocument/2006/customXml" ds:itemID="{91BC99BC-3A63-4255-9D4F-38C5B80A3193}">
-  <ds:schemaRefs>
-    <ds:schemaRef ds:uri="http://schemas.microsoft.com/office/2006/documentManagement/types"/>
-    <ds:schemaRef ds:uri="http://purl.org/dc/terms/"/>
-    <ds:schemaRef ds:uri="http://schemas.openxmlformats.org/package/2006/metadata/core-properties"/>
-    <ds:schemaRef ds:uri="http://purl.org/dc/dcmitype/"/>
-    <ds:schemaRef ds:uri="http://schemas.microsoft.com/office/infopath/2007/PartnerControls"/>
-    <ds:schemaRef ds:uri="http://purl.org/dc/elements/1.1/"/>
-    <ds:schemaRef ds:uri="http://schemas.microsoft.com/office/2006/metadata/properties"/>
-    <ds:schemaRef ds:uri="http://www.w3.org/XML/1998/namespace"/>
-  </ds:schemaRefs>
-</ds:datastoreItem>
-</file>
-
-<file path=customXml/itemProps3.xml><?xml version="1.0" encoding="utf-8"?>
 <ds:datastoreItem xmlns:ds="http://schemas.openxmlformats.org/officeDocument/2006/customXml" ds:itemID="{9896FEF9-821E-45A6-82F2-0B1CE4CD8CF4}">
   <ds:schemaRefs>
     <ds:schemaRef ds:uri="http://schemas.microsoft.com/office/2006/metadata/contentType"/>
@@ -7116,4 +7031,19 @@
     <ds:schemaRef ds:uri="http://schemas.microsoft.com/office/infopath/2007/PartnerControls"/>
   </ds:schemaRefs>
 </ds:datastoreItem>
+</file>
+
+<file path=customXml/itemProps3.xml><?xml version="1.0" encoding="utf-8"?>
+<ds:datastoreItem xmlns:ds="http://schemas.openxmlformats.org/officeDocument/2006/customXml" ds:itemID="{91BC99BC-3A63-4255-9D4F-38C5B80A3193}">
+  <ds:schemaRefs>
+    <ds:schemaRef ds:uri="http://schemas.microsoft.com/office/2006/documentManagement/types"/>
+    <ds:schemaRef ds:uri="http://purl.org/dc/terms/"/>
+    <ds:schemaRef ds:uri="http://schemas.openxmlformats.org/package/2006/metadata/core-properties"/>
+    <ds:schemaRef ds:uri="http://purl.org/dc/dcmitype/"/>
+    <ds:schemaRef ds:uri="http://schemas.microsoft.com/office/infopath/2007/PartnerControls"/>
+    <ds:schemaRef ds:uri="http://purl.org/dc/elements/1.1/"/>
+    <ds:schemaRef ds:uri="http://schemas.microsoft.com/office/2006/metadata/properties"/>
+    <ds:schemaRef ds:uri="http://www.w3.org/XML/1998/namespace"/>
+  </ds:schemaRefs>
+</ds:datastoreItem>
 </file>
--- a/Apresentação_Professoras.pptx
+++ b/Apresentação_Professoras.pptx
@@ -5,23 +5,24 @@
     <p:sldMasterId id="2147483648" r:id="rId4"/>
   </p:sldMasterIdLst>
   <p:notesMasterIdLst>
-    <p:notesMasterId r:id="rId16"/>
+    <p:notesMasterId r:id="rId17"/>
   </p:notesMasterIdLst>
   <p:handoutMasterIdLst>
-    <p:handoutMasterId r:id="rId17"/>
+    <p:handoutMasterId r:id="rId18"/>
   </p:handoutMasterIdLst>
   <p:sldIdLst>
     <p:sldId id="256" r:id="rId5"/>
     <p:sldId id="257" r:id="rId6"/>
     <p:sldId id="271" r:id="rId7"/>
-    <p:sldId id="270" r:id="rId8"/>
-    <p:sldId id="269" r:id="rId9"/>
-    <p:sldId id="264" r:id="rId10"/>
-    <p:sldId id="265" r:id="rId11"/>
-    <p:sldId id="266" r:id="rId12"/>
-    <p:sldId id="267" r:id="rId13"/>
-    <p:sldId id="268" r:id="rId14"/>
-    <p:sldId id="258" r:id="rId15"/>
+    <p:sldId id="272" r:id="rId8"/>
+    <p:sldId id="270" r:id="rId9"/>
+    <p:sldId id="269" r:id="rId10"/>
+    <p:sldId id="264" r:id="rId11"/>
+    <p:sldId id="265" r:id="rId12"/>
+    <p:sldId id="266" r:id="rId13"/>
+    <p:sldId id="267" r:id="rId14"/>
+    <p:sldId id="268" r:id="rId15"/>
+    <p:sldId id="258" r:id="rId16"/>
   </p:sldIdLst>
   <p:sldSz cx="12192000" cy="6858000"/>
   <p:notesSz cx="6858000" cy="9144000"/>
@@ -216,7 +217,7 @@
             <a:fld id="{37A1BFF5-21BF-4160-B9BB-AE71C1FED557}" type="datetime1">
               <a:rPr lang="pt-PT" smtClean="0"/>
               <a:pPr algn="r" rtl="0"/>
-              <a:t>13/05/2015</a:t>
+              <a:t>15/05/2015</a:t>
             </a:fld>
             <a:endParaRPr lang="pt-PT" dirty="0"/>
           </a:p>
@@ -386,7 +387,7 @@
             <a:fld id="{9976EA48-158B-44E6-AD53-699CA8A0F7E6}" type="datetime1">
               <a:rPr lang="pt-PT" smtClean="0"/>
               <a:pPr/>
-              <a:t>13/05/2015</a:t>
+              <a:t>15/05/2015</a:t>
             </a:fld>
             <a:endParaRPr lang="pt-PT" dirty="0"/>
           </a:p>
@@ -1084,7 +1085,7 @@
             <a:pPr rtl="0"/>
             <a:fld id="{0EDF9E83-E3DA-408D-85CA-63B9C848490F}" type="datetime1">
               <a:rPr lang="pt-PT" smtClean="0"/>
-              <a:t>13/05/2015</a:t>
+              <a:t>15/05/2015</a:t>
             </a:fld>
             <a:endParaRPr lang="pt-PT" dirty="0"/>
           </a:p>
@@ -1568,7 +1569,7 @@
           <a:p>
             <a:fld id="{C672435D-889D-4605-9B71-5777366C97E9}" type="datetime1">
               <a:rPr lang="pt-PT" smtClean="0"/>
-              <a:t>13/05/2015</a:t>
+              <a:t>15/05/2015</a:t>
             </a:fld>
             <a:endParaRPr lang="pt-PT" dirty="0"/>
           </a:p>
@@ -1917,7 +1918,7 @@
             <a:pPr rtl="0"/>
             <a:fld id="{3719EFB4-D578-406C-B5FC-CFD3FC5115D2}" type="datetime1">
               <a:rPr lang="pt-PT" smtClean="0"/>
-              <a:t>13/05/2015</a:t>
+              <a:t>15/05/2015</a:t>
             </a:fld>
             <a:endParaRPr lang="pt-PT" dirty="0"/>
           </a:p>
@@ -2364,7 +2365,7 @@
             <a:pPr rtl="0"/>
             <a:fld id="{571B7CA9-9EE8-4EC4-B7E4-C13E6C098698}" type="datetime1">
               <a:rPr lang="pt-PT" smtClean="0"/>
-              <a:t>13/05/2015</a:t>
+              <a:t>15/05/2015</a:t>
             </a:fld>
             <a:endParaRPr lang="pt-PT" dirty="0"/>
           </a:p>
@@ -2554,7 +2555,7 @@
             <a:pPr rtl="0"/>
             <a:fld id="{A11C99E7-A041-4443-B313-69BCA096C13B}" type="datetime1">
               <a:rPr lang="pt-PT" smtClean="0"/>
-              <a:t>13/05/2015</a:t>
+              <a:t>15/05/2015</a:t>
             </a:fld>
             <a:endParaRPr lang="pt-PT" dirty="0"/>
           </a:p>
@@ -2721,7 +2722,7 @@
             <a:pPr rtl="0"/>
             <a:fld id="{D5BD57B6-C8DC-4166-B848-025F6D9B2932}" type="datetime1">
               <a:rPr lang="pt-PT" smtClean="0"/>
-              <a:t>13/05/2015</a:t>
+              <a:t>15/05/2015</a:t>
             </a:fld>
             <a:endParaRPr lang="pt-PT" dirty="0"/>
           </a:p>
@@ -3097,7 +3098,7 @@
             <a:pPr rtl="0"/>
             <a:fld id="{D494D41D-98D1-4117-9216-898FF0A2C660}" type="datetime1">
               <a:rPr lang="pt-PT" smtClean="0"/>
-              <a:t>13/05/2015</a:t>
+              <a:t>15/05/2015</a:t>
             </a:fld>
             <a:endParaRPr lang="pt-PT" dirty="0"/>
           </a:p>
@@ -3417,7 +3418,7 @@
             <a:pPr rtl="0"/>
             <a:fld id="{A58BA3B0-D199-4628-8808-9D9747AE17FA}" type="datetime1">
               <a:rPr lang="pt-PT" smtClean="0"/>
-              <a:t>13/05/2015</a:t>
+              <a:t>15/05/2015</a:t>
             </a:fld>
             <a:endParaRPr lang="pt-PT" dirty="0"/>
           </a:p>
@@ -3797,7 +3798,7 @@
             <a:pPr rtl="0"/>
             <a:fld id="{F4DA9748-5395-4C78-8590-DF83EC36AA61}" type="datetime1">
               <a:rPr lang="pt-PT" smtClean="0"/>
-              <a:t>13/05/2015</a:t>
+              <a:t>15/05/2015</a:t>
             </a:fld>
             <a:endParaRPr lang="pt-PT" dirty="0"/>
           </a:p>
@@ -4368,8 +4369,8 @@
           <a:lstStyle/>
           <a:p>
             <a:r>
-              <a:rPr lang="pt-PT" dirty="0" smtClean="0"/>
-              <a:t>Chat </a:t>
+              <a:rPr lang="pt-PT" dirty="0"/>
+              <a:t>Poema</a:t>
             </a:r>
             <a:endParaRPr lang="en-GB" dirty="0"/>
           </a:p>
@@ -4377,6 +4378,25 @@
       </p:sp>
       <p:sp>
         <p:nvSpPr>
+          <p:cNvPr id="3" name="Marcador de Posição de Conteúdo 2"/>
+          <p:cNvSpPr>
+            <a:spLocks noGrp="1"/>
+          </p:cNvSpPr>
+          <p:nvPr>
+            <p:ph idx="1"/>
+          </p:nvPr>
+        </p:nvSpPr>
+        <p:spPr/>
+        <p:txBody>
+          <a:bodyPr/>
+          <a:lstStyle/>
+          <a:p>
+            <a:endParaRPr lang="en-GB"/>
+          </a:p>
+        </p:txBody>
+      </p:sp>
+      <p:sp>
+        <p:nvSpPr>
           <p:cNvPr id="4" name="Marcador de Posição do Texto 3"/>
           <p:cNvSpPr>
             <a:spLocks noGrp="1"/>
@@ -4385,22 +4405,12 @@
             <p:ph type="body" sz="half" idx="2"/>
           </p:nvPr>
         </p:nvSpPr>
-        <p:spPr>
-          <a:xfrm>
-            <a:off x="4398075" y="2236567"/>
-            <a:ext cx="5620132" cy="3711669"/>
-          </a:xfrm>
-        </p:spPr>
+        <p:spPr/>
         <p:txBody>
           <a:bodyPr/>
           <a:lstStyle/>
           <a:p>
-            <a:pPr algn="just"/>
-            <a:r>
-              <a:rPr lang="pt-PT" dirty="0" smtClean="0"/>
-              <a:t>Este sistema permite aos alunos e docentes comunicar entre si durante o desenvolvimento do projeto, dentro ou fora de aula.</a:t>
-            </a:r>
-            <a:endParaRPr lang="en-GB" dirty="0"/>
+            <a:endParaRPr lang="en-GB"/>
           </a:p>
         </p:txBody>
       </p:sp>
@@ -4427,33 +4437,9 @@
           </a:p>
         </p:txBody>
       </p:sp>
-      <p:pic>
-        <p:nvPicPr>
-          <p:cNvPr id="11" name="Imagem 10"/>
-          <p:cNvPicPr>
-            <a:picLocks noChangeAspect="1"/>
-          </p:cNvPicPr>
-          <p:nvPr/>
-        </p:nvPicPr>
-        <p:blipFill>
-          <a:blip r:embed="rId2"/>
-          <a:stretch>
-            <a:fillRect/>
-          </a:stretch>
-        </p:blipFill>
-        <p:spPr>
-          <a:xfrm>
-            <a:off x="1280160" y="2141240"/>
-            <a:ext cx="2178050" cy="4215110"/>
-          </a:xfrm>
-          <a:prstGeom prst="rect">
-            <a:avLst/>
-          </a:prstGeom>
-        </p:spPr>
-      </p:pic>
-      <p:sp>
-        <p:nvSpPr>
-          <p:cNvPr id="7" name="Marcador de Posição do Número do Diapositivo 6"/>
+      <p:sp>
+        <p:nvSpPr>
+          <p:cNvPr id="8" name="Marcador de Posição do Número do Diapositivo 7"/>
           <p:cNvSpPr>
             <a:spLocks noGrp="1"/>
           </p:cNvSpPr>
@@ -4467,7 +4453,7 @@
           <a:lstStyle/>
           <a:p>
             <a:pPr rtl="0"/>
-            <a:fld id="{5CFCF75F-3FDE-42C1-B742-B476AC284FAE}" type="slidenum">
+            <a:fld id="{352ED2E8-8DC2-4B2A-8AF3-C909BCF87590}" type="slidenum">
               <a:rPr lang="pt-PT" smtClean="0"/>
               <a:t>10</a:t>
             </a:fld>
@@ -4478,7 +4464,7 @@
     </p:spTree>
     <p:extLst>
       <p:ext uri="{BB962C8B-B14F-4D97-AF65-F5344CB8AC3E}">
-        <p14:creationId xmlns:p14="http://schemas.microsoft.com/office/powerpoint/2010/main" val="2704919131"/>
+        <p14:creationId xmlns:p14="http://schemas.microsoft.com/office/powerpoint/2010/main" val="949672800"/>
       </p:ext>
     </p:extLst>
   </p:cSld>
@@ -4541,7 +4527,7 @@
           <a:p>
             <a:r>
               <a:rPr lang="pt-PT" dirty="0" smtClean="0"/>
-              <a:t>Potencialidades </a:t>
+              <a:t>Chat </a:t>
             </a:r>
             <a:endParaRPr lang="en-GB" dirty="0"/>
           </a:p>
@@ -4549,7 +4535,36 @@
       </p:sp>
       <p:sp>
         <p:nvSpPr>
-          <p:cNvPr id="3" name="Marcador de Posição do Rodapé 2"/>
+          <p:cNvPr id="4" name="Marcador de Posição do Texto 3"/>
+          <p:cNvSpPr>
+            <a:spLocks noGrp="1"/>
+          </p:cNvSpPr>
+          <p:nvPr>
+            <p:ph type="body" sz="half" idx="2"/>
+          </p:nvPr>
+        </p:nvSpPr>
+        <p:spPr>
+          <a:xfrm>
+            <a:off x="4398075" y="2236567"/>
+            <a:ext cx="5620132" cy="3711669"/>
+          </a:xfrm>
+        </p:spPr>
+        <p:txBody>
+          <a:bodyPr/>
+          <a:lstStyle/>
+          <a:p>
+            <a:pPr algn="just"/>
+            <a:r>
+              <a:rPr lang="pt-PT" dirty="0" smtClean="0"/>
+              <a:t>Este sistema permite aos alunos e docentes comunicar entre si durante o desenvolvimento do projeto, dentro ou fora de aula.</a:t>
+            </a:r>
+            <a:endParaRPr lang="en-GB" dirty="0"/>
+          </a:p>
+        </p:txBody>
+      </p:sp>
+      <p:sp>
+        <p:nvSpPr>
+          <p:cNvPr id="5" name="Marcador de Posição do Rodapé 4"/>
           <p:cNvSpPr>
             <a:spLocks noGrp="1"/>
           </p:cNvSpPr>
@@ -4570,9 +4585,33 @@
           </a:p>
         </p:txBody>
       </p:sp>
-      <p:sp>
-        <p:nvSpPr>
-          <p:cNvPr id="6" name="Marcador de Posição do Número do Diapositivo 5"/>
+      <p:pic>
+        <p:nvPicPr>
+          <p:cNvPr id="11" name="Imagem 10"/>
+          <p:cNvPicPr>
+            <a:picLocks noChangeAspect="1"/>
+          </p:cNvPicPr>
+          <p:nvPr/>
+        </p:nvPicPr>
+        <p:blipFill>
+          <a:blip r:embed="rId2"/>
+          <a:stretch>
+            <a:fillRect/>
+          </a:stretch>
+        </p:blipFill>
+        <p:spPr>
+          <a:xfrm>
+            <a:off x="1280160" y="2141240"/>
+            <a:ext cx="2178050" cy="4215110"/>
+          </a:xfrm>
+          <a:prstGeom prst="rect">
+            <a:avLst/>
+          </a:prstGeom>
+        </p:spPr>
+      </p:pic>
+      <p:sp>
+        <p:nvSpPr>
+          <p:cNvPr id="7" name="Marcador de Posição do Número do Diapositivo 6"/>
           <p:cNvSpPr>
             <a:spLocks noGrp="1"/>
           </p:cNvSpPr>
@@ -4585,11 +4624,160 @@
           <a:bodyPr/>
           <a:lstStyle/>
           <a:p>
-            <a:fld id="{C0446EA9-11E0-46E3-AA0E-DE50AA790B19}" type="slidenum">
+            <a:pPr rtl="0"/>
+            <a:fld id="{5CFCF75F-3FDE-42C1-B742-B476AC284FAE}" type="slidenum">
               <a:rPr lang="pt-PT" smtClean="0"/>
               <a:t>11</a:t>
             </a:fld>
+            <a:endParaRPr lang="pt-PT" dirty="0"/>
+          </a:p>
+        </p:txBody>
+      </p:sp>
+    </p:spTree>
+    <p:extLst>
+      <p:ext uri="{BB962C8B-B14F-4D97-AF65-F5344CB8AC3E}">
+        <p14:creationId xmlns:p14="http://schemas.microsoft.com/office/powerpoint/2010/main" val="2704919131"/>
+      </p:ext>
+    </p:extLst>
+  </p:cSld>
+  <p:clrMapOvr>
+    <a:masterClrMapping/>
+  </p:clrMapOvr>
+  <mc:AlternateContent xmlns:mc="http://schemas.openxmlformats.org/markup-compatibility/2006" xmlns:p14="http://schemas.microsoft.com/office/powerpoint/2010/main">
+    <mc:Choice Requires="p14">
+      <p:transition spd="med" p14:dur="700">
+        <p:fade/>
+      </p:transition>
+    </mc:Choice>
+    <mc:Fallback xmlns="">
+      <p:transition spd="med">
+        <p:fade/>
+      </p:transition>
+    </mc:Fallback>
+  </mc:AlternateContent>
+  <p:timing>
+    <p:tnLst>
+      <p:par>
+        <p:cTn id="1" dur="indefinite" restart="never" nodeType="tmRoot"/>
+      </p:par>
+    </p:tnLst>
+  </p:timing>
+</p:sld>
+</file>
+
+<file path=ppt/slides/slide12.xml><?xml version="1.0" encoding="utf-8"?>
+<p:sld xmlns:a="http://schemas.openxmlformats.org/drawingml/2006/main" xmlns:r="http://schemas.openxmlformats.org/officeDocument/2006/relationships" xmlns:p="http://schemas.openxmlformats.org/presentationml/2006/main">
+  <p:cSld>
+    <p:spTree>
+      <p:nvGrpSpPr>
+        <p:cNvPr id="1" name=""/>
+        <p:cNvGrpSpPr/>
+        <p:nvPr/>
+      </p:nvGrpSpPr>
+      <p:grpSpPr>
+        <a:xfrm>
+          <a:off x="0" y="0"/>
+          <a:ext cx="0" cy="0"/>
+          <a:chOff x="0" y="0"/>
+          <a:chExt cx="0" cy="0"/>
+        </a:xfrm>
+      </p:grpSpPr>
+      <p:sp>
+        <p:nvSpPr>
+          <p:cNvPr id="2" name="Título 1"/>
+          <p:cNvSpPr>
+            <a:spLocks noGrp="1"/>
+          </p:cNvSpPr>
+          <p:nvPr>
+            <p:ph type="title"/>
+          </p:nvPr>
+        </p:nvSpPr>
+        <p:spPr/>
+        <p:txBody>
+          <a:bodyPr/>
+          <a:lstStyle/>
+          <a:p>
+            <a:r>
+              <a:rPr lang="pt-PT" dirty="0" smtClean="0"/>
+              <a:t>Potencialidades </a:t>
+            </a:r>
+            <a:endParaRPr lang="en-GB" dirty="0"/>
+          </a:p>
+        </p:txBody>
+      </p:sp>
+      <p:sp>
+        <p:nvSpPr>
+          <p:cNvPr id="3" name="Marcador de Posição do Rodapé 2"/>
+          <p:cNvSpPr>
+            <a:spLocks noGrp="1"/>
+          </p:cNvSpPr>
+          <p:nvPr>
+            <p:ph type="ftr" sz="quarter" idx="11"/>
+          </p:nvPr>
+        </p:nvSpPr>
+        <p:spPr/>
+        <p:txBody>
+          <a:bodyPr/>
+          <a:lstStyle/>
+          <a:p>
+            <a:r>
+              <a:rPr lang="pt-PT" smtClean="0"/>
+              <a:t>SharedPen – Projecto de Sistemas de Informação 2014/15</a:t>
+            </a:r>
+            <a:endParaRPr lang="pt-PT" dirty="0"/>
+          </a:p>
+        </p:txBody>
+      </p:sp>
+      <p:sp>
+        <p:nvSpPr>
+          <p:cNvPr id="6" name="Marcador de Posição do Número do Diapositivo 5"/>
+          <p:cNvSpPr>
+            <a:spLocks noGrp="1"/>
+          </p:cNvSpPr>
+          <p:nvPr>
+            <p:ph type="sldNum" sz="quarter" idx="12"/>
+          </p:nvPr>
+        </p:nvSpPr>
+        <p:spPr/>
+        <p:txBody>
+          <a:bodyPr/>
+          <a:lstStyle/>
+          <a:p>
+            <a:fld id="{C0446EA9-11E0-46E3-AA0E-DE50AA790B19}" type="slidenum">
+              <a:rPr lang="pt-PT" smtClean="0"/>
+              <a:t>12</a:t>
+            </a:fld>
             <a:endParaRPr lang="pt-PT" dirty="0" smtClean="0"/>
+          </a:p>
+        </p:txBody>
+      </p:sp>
+      <p:sp>
+        <p:nvSpPr>
+          <p:cNvPr id="4" name="CaixaDeTexto 3"/>
+          <p:cNvSpPr txBox="1"/>
+          <p:nvPr/>
+        </p:nvSpPr>
+        <p:spPr>
+          <a:xfrm>
+            <a:off x="1524000" y="2743200"/>
+            <a:ext cx="3431132" cy="369332"/>
+          </a:xfrm>
+          <a:prstGeom prst="rect">
+            <a:avLst/>
+          </a:prstGeom>
+          <a:noFill/>
+        </p:spPr>
+        <p:txBody>
+          <a:bodyPr wrap="none" rtlCol="0">
+            <a:spAutoFit/>
+          </a:bodyPr>
+          <a:lstStyle/>
+          <a:p>
+            <a:r>
+              <a:rPr lang="pt-PT" dirty="0" smtClean="0"/>
+              <a:t>Outros métodos de autentificação </a:t>
+            </a:r>
+            <a:endParaRPr lang="en-GB" dirty="0"/>
           </a:p>
         </p:txBody>
       </p:sp>
@@ -4659,7 +4847,7 @@
           <a:p>
             <a:r>
               <a:rPr lang="pt-PT" dirty="0" smtClean="0"/>
-              <a:t>Logótipo</a:t>
+              <a:t>Proposta logotipo</a:t>
             </a:r>
             <a:endParaRPr lang="en-GB" dirty="0"/>
           </a:p>
@@ -4681,8 +4869,20 @@
           <a:lstStyle/>
           <a:p>
             <a:r>
-              <a:rPr lang="pt-PT" smtClean="0"/>
-              <a:t>SharedPen – Projecto de Sistemas de Informação 2014/15</a:t>
+              <a:rPr lang="pt-PT" dirty="0" err="1" smtClean="0"/>
+              <a:t>SharedPen</a:t>
+            </a:r>
+            <a:r>
+              <a:rPr lang="pt-PT" dirty="0" smtClean="0"/>
+              <a:t> – </a:t>
+            </a:r>
+            <a:r>
+              <a:rPr lang="pt-PT" dirty="0" err="1" smtClean="0"/>
+              <a:t>Projecto</a:t>
+            </a:r>
+            <a:r>
+              <a:rPr lang="pt-PT" dirty="0" smtClean="0"/>
+              <a:t> de Sistemas de Informação 2014/15</a:t>
             </a:r>
             <a:endParaRPr lang="pt-PT" dirty="0"/>
           </a:p>
@@ -4710,7 +4910,7 @@
         </p:blipFill>
         <p:spPr>
           <a:xfrm>
-            <a:off x="3749728" y="1828456"/>
+            <a:off x="6883370" y="1866868"/>
             <a:ext cx="3648521" cy="3554163"/>
           </a:xfrm>
           <a:prstGeom prst="rect">
@@ -4720,14 +4920,67 @@
       </p:pic>
       <p:sp>
         <p:nvSpPr>
-          <p:cNvPr id="6" name="CaixaDeTexto 5"/>
+          <p:cNvPr id="8" name="Marcador de Posição do Número do Diapositivo 7"/>
+          <p:cNvSpPr>
+            <a:spLocks noGrp="1"/>
+          </p:cNvSpPr>
+          <p:nvPr>
+            <p:ph type="sldNum" sz="quarter" idx="12"/>
+          </p:nvPr>
+        </p:nvSpPr>
+        <p:spPr/>
+        <p:txBody>
+          <a:bodyPr/>
+          <a:lstStyle/>
+          <a:p>
+            <a:fld id="{E5A904EB-472A-402B-AA35-9E57583786AD}" type="slidenum">
+              <a:rPr lang="pt-PT" smtClean="0"/>
+              <a:t>2</a:t>
+            </a:fld>
+            <a:endParaRPr lang="pt-PT" dirty="0" smtClean="0"/>
+          </a:p>
+        </p:txBody>
+      </p:sp>
+      <p:pic>
+        <p:nvPicPr>
+          <p:cNvPr id="4" name="Imagem 3"/>
+          <p:cNvPicPr>
+            <a:picLocks noChangeAspect="1"/>
+          </p:cNvPicPr>
+          <p:nvPr/>
+        </p:nvPicPr>
+        <p:blipFill>
+          <a:blip r:embed="rId4">
+            <a:extLst>
+              <a:ext uri="{28A0092B-C50C-407E-A947-70E740481C1C}">
+                <a14:useLocalDpi xmlns:a14="http://schemas.microsoft.com/office/drawing/2010/main" val="0"/>
+              </a:ext>
+            </a:extLst>
+          </a:blip>
+          <a:stretch>
+            <a:fillRect/>
+          </a:stretch>
+        </p:blipFill>
+        <p:spPr>
+          <a:xfrm>
+            <a:off x="805030" y="4290155"/>
+            <a:ext cx="3941090" cy="698053"/>
+          </a:xfrm>
+          <a:prstGeom prst="rect">
+            <a:avLst/>
+          </a:prstGeom>
+        </p:spPr>
+      </p:pic>
+      <p:sp>
+        <p:nvSpPr>
+          <p:cNvPr id="7" name="CaixaDeTexto 6"/>
           <p:cNvSpPr txBox="1"/>
           <p:nvPr/>
         </p:nvSpPr>
         <p:spPr>
           <a:xfrm>
-            <a:off x="4996803" y="5684818"/>
-            <a:ext cx="2195345" cy="369332"/>
+            <a:off x="1999129" y="5302947"/>
+            <a:ext cx="1783245" cy="369332"/>
           </a:xfrm>
           <a:prstGeom prst="rect">
             <a:avLst/>
@@ -4740,10 +4993,9 @@
           </a:bodyPr>
           <a:lstStyle/>
           <a:p>
-            <a:pPr algn="ctr"/>
-            <a:r>
-              <a:rPr lang="pt-PT" dirty="0" smtClean="0"/>
-              <a:t>Proposta de logótipo.</a:t>
+            <a:r>
+              <a:rPr lang="pt-PT" dirty="0" smtClean="0"/>
+              <a:t>Versão miniatura</a:t>
             </a:r>
             <a:endParaRPr lang="en-GB" dirty="0"/>
           </a:p>
@@ -4751,24 +5003,35 @@
       </p:sp>
       <p:sp>
         <p:nvSpPr>
-          <p:cNvPr id="8" name="Marcador de Posição do Número do Diapositivo 7"/>
-          <p:cNvSpPr>
-            <a:spLocks noGrp="1"/>
-          </p:cNvSpPr>
-          <p:nvPr>
-            <p:ph type="sldNum" sz="quarter" idx="12"/>
-          </p:nvPr>
-        </p:nvSpPr>
-        <p:spPr/>
-        <p:txBody>
-          <a:bodyPr/>
-          <a:lstStyle/>
-          <a:p>
-            <a:fld id="{E5A904EB-472A-402B-AA35-9E57583786AD}" type="slidenum">
-              <a:rPr lang="pt-PT" smtClean="0"/>
-              <a:t>2</a:t>
-            </a:fld>
-            <a:endParaRPr lang="pt-PT" dirty="0" smtClean="0"/>
+          <p:cNvPr id="9" name="CaixaDeTexto 8"/>
+          <p:cNvSpPr txBox="1"/>
+          <p:nvPr/>
+        </p:nvSpPr>
+        <p:spPr>
+          <a:xfrm>
+            <a:off x="8066384" y="5421031"/>
+            <a:ext cx="1747017" cy="369332"/>
+          </a:xfrm>
+          <a:prstGeom prst="rect">
+            <a:avLst/>
+          </a:prstGeom>
+          <a:noFill/>
+        </p:spPr>
+        <p:txBody>
+          <a:bodyPr wrap="none" rtlCol="0">
+            <a:spAutoFit/>
+          </a:bodyPr>
+          <a:lstStyle/>
+          <a:p>
+            <a:r>
+              <a:rPr lang="pt-PT" dirty="0"/>
+              <a:t>Versão </a:t>
+            </a:r>
+            <a:r>
+              <a:rPr lang="pt-PT" dirty="0" smtClean="0"/>
+              <a:t>completa</a:t>
+            </a:r>
+            <a:endParaRPr lang="en-GB" dirty="0"/>
           </a:p>
         </p:txBody>
       </p:sp>
@@ -5027,6 +5290,118 @@
           <a:p>
             <a:r>
               <a:rPr lang="pt-PT" dirty="0" smtClean="0"/>
+              <a:t>Criação do projeto</a:t>
+            </a:r>
+            <a:endParaRPr lang="en-GB" dirty="0"/>
+          </a:p>
+        </p:txBody>
+      </p:sp>
+      <p:sp>
+        <p:nvSpPr>
+          <p:cNvPr id="3" name="Marcador de Posição do Rodapé 2"/>
+          <p:cNvSpPr>
+            <a:spLocks noGrp="1"/>
+          </p:cNvSpPr>
+          <p:nvPr>
+            <p:ph type="ftr" sz="quarter" idx="11"/>
+          </p:nvPr>
+        </p:nvSpPr>
+        <p:spPr/>
+        <p:txBody>
+          <a:bodyPr/>
+          <a:lstStyle/>
+          <a:p>
+            <a:r>
+              <a:rPr lang="pt-PT" smtClean="0"/>
+              <a:t>SharedPen – Projecto de Sistemas de Informação 2014/15</a:t>
+            </a:r>
+            <a:endParaRPr lang="pt-PT" dirty="0"/>
+          </a:p>
+        </p:txBody>
+      </p:sp>
+      <p:sp>
+        <p:nvSpPr>
+          <p:cNvPr id="4" name="Marcador de Posição do Número do Diapositivo 3"/>
+          <p:cNvSpPr>
+            <a:spLocks noGrp="1"/>
+          </p:cNvSpPr>
+          <p:nvPr>
+            <p:ph type="sldNum" sz="quarter" idx="12"/>
+          </p:nvPr>
+        </p:nvSpPr>
+        <p:spPr/>
+        <p:txBody>
+          <a:bodyPr/>
+          <a:lstStyle/>
+          <a:p>
+            <a:fld id="{79668581-1D55-41DB-9662-4A1AFC42014E}" type="slidenum">
+              <a:rPr lang="pt-PT" smtClean="0"/>
+              <a:pPr/>
+              <a:t>4</a:t>
+            </a:fld>
+            <a:endParaRPr lang="pt-PT" dirty="0" smtClean="0"/>
+          </a:p>
+        </p:txBody>
+      </p:sp>
+    </p:spTree>
+    <p:extLst>
+      <p:ext uri="{BB962C8B-B14F-4D97-AF65-F5344CB8AC3E}">
+        <p14:creationId xmlns:p14="http://schemas.microsoft.com/office/powerpoint/2010/main" val="4046999031"/>
+      </p:ext>
+    </p:extLst>
+  </p:cSld>
+  <p:clrMapOvr>
+    <a:masterClrMapping/>
+  </p:clrMapOvr>
+  <mc:AlternateContent xmlns:mc="http://schemas.openxmlformats.org/markup-compatibility/2006">
+    <mc:Choice xmlns:p14="http://schemas.microsoft.com/office/powerpoint/2010/main" Requires="p14">
+      <p:transition spd="med" p14:dur="700">
+        <p:fade/>
+      </p:transition>
+    </mc:Choice>
+    <mc:Fallback>
+      <p:transition spd="med">
+        <p:fade/>
+      </p:transition>
+    </mc:Fallback>
+  </mc:AlternateContent>
+</p:sld>
+</file>
+
+<file path=ppt/slides/slide5.xml><?xml version="1.0" encoding="utf-8"?>
+<p:sld xmlns:a="http://schemas.openxmlformats.org/drawingml/2006/main" xmlns:r="http://schemas.openxmlformats.org/officeDocument/2006/relationships" xmlns:p="http://schemas.openxmlformats.org/presentationml/2006/main">
+  <p:cSld>
+    <p:spTree>
+      <p:nvGrpSpPr>
+        <p:cNvPr id="1" name=""/>
+        <p:cNvGrpSpPr/>
+        <p:nvPr/>
+      </p:nvGrpSpPr>
+      <p:grpSpPr>
+        <a:xfrm>
+          <a:off x="0" y="0"/>
+          <a:ext cx="0" cy="0"/>
+          <a:chOff x="0" y="0"/>
+          <a:chExt cx="0" cy="0"/>
+        </a:xfrm>
+      </p:grpSpPr>
+      <p:sp>
+        <p:nvSpPr>
+          <p:cNvPr id="2" name="Título 1"/>
+          <p:cNvSpPr>
+            <a:spLocks noGrp="1"/>
+          </p:cNvSpPr>
+          <p:nvPr>
+            <p:ph type="title"/>
+          </p:nvPr>
+        </p:nvSpPr>
+        <p:spPr/>
+        <p:txBody>
+          <a:bodyPr/>
+          <a:lstStyle/>
+          <a:p>
+            <a:r>
+              <a:rPr lang="pt-PT" dirty="0" smtClean="0"/>
               <a:t>Tipos de projetos</a:t>
             </a:r>
             <a:endParaRPr lang="en-GB" dirty="0"/>
@@ -5196,7 +5571,7 @@
           <a:p>
             <a:fld id="{814F17AB-204C-46DF-8E43-B24867AF7FF8}" type="slidenum">
               <a:rPr lang="pt-PT" smtClean="0"/>
-              <a:t>4</a:t>
+              <a:t>5</a:t>
             </a:fld>
             <a:endParaRPr lang="pt-PT" dirty="0" smtClean="0"/>
           </a:p>
@@ -5243,6 +5618,36 @@
           </a:extLst>
         </p:spPr>
       </p:pic>
+      <p:pic>
+        <p:nvPicPr>
+          <p:cNvPr id="4" name="Imagem 3"/>
+          <p:cNvPicPr>
+            <a:picLocks noChangeAspect="1"/>
+          </p:cNvPicPr>
+          <p:nvPr/>
+        </p:nvPicPr>
+        <p:blipFill>
+          <a:blip r:embed="rId5" cstate="print">
+            <a:extLst>
+              <a:ext uri="{28A0092B-C50C-407E-A947-70E740481C1C}">
+                <a14:useLocalDpi xmlns:a14="http://schemas.microsoft.com/office/drawing/2010/main" val="0"/>
+              </a:ext>
+            </a:extLst>
+          </a:blip>
+          <a:stretch>
+            <a:fillRect/>
+          </a:stretch>
+        </p:blipFill>
+        <p:spPr>
+          <a:xfrm>
+            <a:off x="3430418" y="5361638"/>
+            <a:ext cx="930909" cy="518206"/>
+          </a:xfrm>
+          <a:prstGeom prst="rect">
+            <a:avLst/>
+          </a:prstGeom>
+        </p:spPr>
+      </p:pic>
     </p:spTree>
     <p:extLst>
       <p:ext uri="{BB962C8B-B14F-4D97-AF65-F5344CB8AC3E}">
@@ -5275,7 +5680,7 @@
 </p:sld>
 </file>
 
-<file path=ppt/slides/slide5.xml><?xml version="1.0" encoding="utf-8"?>
+<file path=ppt/slides/slide6.xml><?xml version="1.0" encoding="utf-8"?>
 <p:sld xmlns:a="http://schemas.openxmlformats.org/drawingml/2006/main" xmlns:r="http://schemas.openxmlformats.org/officeDocument/2006/relationships" xmlns:p="http://schemas.openxmlformats.org/presentationml/2006/main">
   <p:cSld>
     <p:spTree>
@@ -5459,7 +5864,7 @@
           <a:p>
             <a:fld id="{0A735A47-44EB-4031-89B4-84AFE4BB36B0}" type="slidenum">
               <a:rPr lang="pt-PT" smtClean="0"/>
-              <a:t>5</a:t>
+              <a:t>6</a:t>
             </a:fld>
             <a:endParaRPr lang="pt-PT" dirty="0" smtClean="0"/>
           </a:p>
@@ -5469,156 +5874,6 @@
     <p:extLst>
       <p:ext uri="{BB962C8B-B14F-4D97-AF65-F5344CB8AC3E}">
         <p14:creationId xmlns:p14="http://schemas.microsoft.com/office/powerpoint/2010/main" val="2927960678"/>
-      </p:ext>
-    </p:extLst>
-  </p:cSld>
-  <p:clrMapOvr>
-    <a:masterClrMapping/>
-  </p:clrMapOvr>
-  <mc:AlternateContent xmlns:mc="http://schemas.openxmlformats.org/markup-compatibility/2006" xmlns:p14="http://schemas.microsoft.com/office/powerpoint/2010/main">
-    <mc:Choice Requires="p14">
-      <p:transition spd="med" p14:dur="700">
-        <p:fade/>
-      </p:transition>
-    </mc:Choice>
-    <mc:Fallback xmlns="">
-      <p:transition spd="med">
-        <p:fade/>
-      </p:transition>
-    </mc:Fallback>
-  </mc:AlternateContent>
-</p:sld>
-</file>
-
-<file path=ppt/slides/slide6.xml><?xml version="1.0" encoding="utf-8"?>
-<p:sld xmlns:a="http://schemas.openxmlformats.org/drawingml/2006/main" xmlns:r="http://schemas.openxmlformats.org/officeDocument/2006/relationships" xmlns:p="http://schemas.openxmlformats.org/presentationml/2006/main">
-  <p:cSld>
-    <p:spTree>
-      <p:nvGrpSpPr>
-        <p:cNvPr id="1" name=""/>
-        <p:cNvGrpSpPr/>
-        <p:nvPr/>
-      </p:nvGrpSpPr>
-      <p:grpSpPr>
-        <a:xfrm>
-          <a:off x="0" y="0"/>
-          <a:ext cx="0" cy="0"/>
-          <a:chOff x="0" y="0"/>
-          <a:chExt cx="0" cy="0"/>
-        </a:xfrm>
-      </p:grpSpPr>
-      <p:sp>
-        <p:nvSpPr>
-          <p:cNvPr id="2" name="Título 1"/>
-          <p:cNvSpPr>
-            <a:spLocks noGrp="1"/>
-          </p:cNvSpPr>
-          <p:nvPr>
-            <p:ph type="title"/>
-          </p:nvPr>
-        </p:nvSpPr>
-        <p:spPr/>
-        <p:txBody>
-          <a:bodyPr/>
-          <a:lstStyle/>
-          <a:p>
-            <a:r>
-              <a:rPr lang="pt-PT" dirty="0" smtClean="0"/>
-              <a:t>Livro</a:t>
-            </a:r>
-            <a:endParaRPr lang="en-GB" dirty="0"/>
-          </a:p>
-        </p:txBody>
-      </p:sp>
-      <p:sp>
-        <p:nvSpPr>
-          <p:cNvPr id="3" name="Marcador de Posição de Conteúdo 2"/>
-          <p:cNvSpPr>
-            <a:spLocks noGrp="1"/>
-          </p:cNvSpPr>
-          <p:nvPr>
-            <p:ph idx="1"/>
-          </p:nvPr>
-        </p:nvSpPr>
-        <p:spPr/>
-        <p:txBody>
-          <a:bodyPr/>
-          <a:lstStyle/>
-          <a:p>
-            <a:endParaRPr lang="en-GB" dirty="0"/>
-          </a:p>
-        </p:txBody>
-      </p:sp>
-      <p:sp>
-        <p:nvSpPr>
-          <p:cNvPr id="4" name="Marcador de Posição do Texto 3"/>
-          <p:cNvSpPr>
-            <a:spLocks noGrp="1"/>
-          </p:cNvSpPr>
-          <p:nvPr>
-            <p:ph type="body" sz="half" idx="2"/>
-          </p:nvPr>
-        </p:nvSpPr>
-        <p:spPr/>
-        <p:txBody>
-          <a:bodyPr/>
-          <a:lstStyle/>
-          <a:p>
-            <a:endParaRPr lang="en-GB" dirty="0"/>
-          </a:p>
-        </p:txBody>
-      </p:sp>
-      <p:sp>
-        <p:nvSpPr>
-          <p:cNvPr id="5" name="Marcador de Posição do Rodapé 4"/>
-          <p:cNvSpPr>
-            <a:spLocks noGrp="1"/>
-          </p:cNvSpPr>
-          <p:nvPr>
-            <p:ph type="ftr" sz="quarter" idx="11"/>
-          </p:nvPr>
-        </p:nvSpPr>
-        <p:spPr/>
-        <p:txBody>
-          <a:bodyPr/>
-          <a:lstStyle/>
-          <a:p>
-            <a:r>
-              <a:rPr lang="pt-PT" smtClean="0"/>
-              <a:t>SharedPen – Projecto de Sistemas de Informação 2014/15</a:t>
-            </a:r>
-            <a:endParaRPr lang="pt-PT" dirty="0"/>
-          </a:p>
-        </p:txBody>
-      </p:sp>
-      <p:sp>
-        <p:nvSpPr>
-          <p:cNvPr id="8" name="Marcador de Posição do Número do Diapositivo 7"/>
-          <p:cNvSpPr>
-            <a:spLocks noGrp="1"/>
-          </p:cNvSpPr>
-          <p:nvPr>
-            <p:ph type="sldNum" sz="quarter" idx="12"/>
-          </p:nvPr>
-        </p:nvSpPr>
-        <p:spPr/>
-        <p:txBody>
-          <a:bodyPr/>
-          <a:lstStyle/>
-          <a:p>
-            <a:pPr rtl="0"/>
-            <a:fld id="{94CF88D8-E7BE-40A4-9B9B-4E3E5624E7EE}" type="slidenum">
-              <a:rPr lang="pt-PT" smtClean="0"/>
-              <a:t>6</a:t>
-            </a:fld>
-            <a:endParaRPr lang="pt-PT" dirty="0"/>
-          </a:p>
-        </p:txBody>
-      </p:sp>
-    </p:spTree>
-    <p:extLst>
-      <p:ext uri="{BB962C8B-B14F-4D97-AF65-F5344CB8AC3E}">
-        <p14:creationId xmlns:p14="http://schemas.microsoft.com/office/powerpoint/2010/main" val="4160424065"/>
       </p:ext>
     </p:extLst>
   </p:cSld>
@@ -5673,8 +5928,8 @@
           <a:lstStyle/>
           <a:p>
             <a:r>
-              <a:rPr lang="pt-PT" dirty="0"/>
-              <a:t>Jornal</a:t>
+              <a:rPr lang="pt-PT" dirty="0" smtClean="0"/>
+              <a:t>Livro</a:t>
             </a:r>
             <a:endParaRPr lang="en-GB" dirty="0"/>
           </a:p>
@@ -5695,7 +5950,7 @@
           <a:bodyPr/>
           <a:lstStyle/>
           <a:p>
-            <a:endParaRPr lang="en-GB"/>
+            <a:endParaRPr lang="en-GB" dirty="0"/>
           </a:p>
         </p:txBody>
       </p:sp>
@@ -5757,7 +6012,7 @@
           <a:lstStyle/>
           <a:p>
             <a:pPr rtl="0"/>
-            <a:fld id="{FA897F22-109E-426D-9746-8D13975853B7}" type="slidenum">
+            <a:fld id="{94CF88D8-E7BE-40A4-9B9B-4E3E5624E7EE}" type="slidenum">
               <a:rPr lang="pt-PT" smtClean="0"/>
               <a:t>7</a:t>
             </a:fld>
@@ -5768,7 +6023,7 @@
     </p:spTree>
     <p:extLst>
       <p:ext uri="{BB962C8B-B14F-4D97-AF65-F5344CB8AC3E}">
-        <p14:creationId xmlns:p14="http://schemas.microsoft.com/office/powerpoint/2010/main" val="260531471"/>
+        <p14:creationId xmlns:p14="http://schemas.microsoft.com/office/powerpoint/2010/main" val="4160424065"/>
       </p:ext>
     </p:extLst>
   </p:cSld>
@@ -5824,7 +6079,7 @@
           <a:p>
             <a:r>
               <a:rPr lang="pt-PT" dirty="0"/>
-              <a:t>Desenho</a:t>
+              <a:t>Jornal</a:t>
             </a:r>
             <a:endParaRPr lang="en-GB" dirty="0"/>
           </a:p>
@@ -5864,7 +6119,7 @@
           <a:bodyPr/>
           <a:lstStyle/>
           <a:p>
-            <a:endParaRPr lang="en-GB"/>
+            <a:endParaRPr lang="en-GB" dirty="0"/>
           </a:p>
         </p:txBody>
       </p:sp>
@@ -5907,7 +6162,7 @@
           <a:lstStyle/>
           <a:p>
             <a:pPr rtl="0"/>
-            <a:fld id="{511A6060-7F25-4F97-A4D9-1DE2E6AEEDBC}" type="slidenum">
+            <a:fld id="{FA897F22-109E-426D-9746-8D13975853B7}" type="slidenum">
               <a:rPr lang="pt-PT" smtClean="0"/>
               <a:t>8</a:t>
             </a:fld>
@@ -5918,7 +6173,7 @@
     </p:spTree>
     <p:extLst>
       <p:ext uri="{BB962C8B-B14F-4D97-AF65-F5344CB8AC3E}">
-        <p14:creationId xmlns:p14="http://schemas.microsoft.com/office/powerpoint/2010/main" val="1312873764"/>
+        <p14:creationId xmlns:p14="http://schemas.microsoft.com/office/powerpoint/2010/main" val="260531471"/>
       </p:ext>
     </p:extLst>
   </p:cSld>
@@ -5974,7 +6229,7 @@
           <a:p>
             <a:r>
               <a:rPr lang="pt-PT" dirty="0"/>
-              <a:t>Poema</a:t>
+              <a:t>Desenho</a:t>
             </a:r>
             <a:endParaRPr lang="en-GB" dirty="0"/>
           </a:p>
@@ -6057,7 +6312,7 @@
           <a:lstStyle/>
           <a:p>
             <a:pPr rtl="0"/>
-            <a:fld id="{352ED2E8-8DC2-4B2A-8AF3-C909BCF87590}" type="slidenum">
+            <a:fld id="{511A6060-7F25-4F97-A4D9-1DE2E6AEEDBC}" type="slidenum">
               <a:rPr lang="pt-PT" smtClean="0"/>
               <a:t>9</a:t>
             </a:fld>
@@ -6068,7 +6323,7 @@
     </p:spTree>
     <p:extLst>
       <p:ext uri="{BB962C8B-B14F-4D97-AF65-F5344CB8AC3E}">
-        <p14:creationId xmlns:p14="http://schemas.microsoft.com/office/powerpoint/2010/main" val="949672800"/>
+        <p14:creationId xmlns:p14="http://schemas.microsoft.com/office/powerpoint/2010/main" val="1312873764"/>
       </p:ext>
     </p:extLst>
   </p:cSld>
@@ -6087,13 +6342,6 @@
       </p:transition>
     </mc:Fallback>
   </mc:AlternateContent>
-  <p:timing>
-    <p:tnLst>
-      <p:par>
-        <p:cTn id="1" dur="indefinite" restart="never" nodeType="tmRoot"/>
-      </p:par>
-    </p:tnLst>
-  </p:timing>
 </p:sld>
 </file>
 
@@ -6890,6 +7138,12 @@
 </file>
 
 <file path=customXml/item2.xml><?xml version="1.0" encoding="utf-8"?>
+<p:properties xmlns:p="http://schemas.microsoft.com/office/2006/metadata/properties" xmlns:xsi="http://www.w3.org/2001/XMLSchema-instance" xmlns:pc="http://schemas.microsoft.com/office/infopath/2007/PartnerControls">
+  <documentManagement/>
+</p:properties>
+</file>
+
+<file path=customXml/item3.xml><?xml version="1.0" encoding="utf-8"?>
 <ct:contentTypeSchema xmlns:ct="http://schemas.microsoft.com/office/2006/metadata/contentType" xmlns:ma="http://schemas.microsoft.com/office/2006/metadata/properties/metaAttributes" ct:_="" ma:_="" ma:contentTypeName="Document" ma:contentTypeID="0x0101007C1D5F340F01F94FA2FD29A5E6DC872E" ma:contentTypeVersion="0" ma:contentTypeDescription="Create a new document." ma:contentTypeScope="" ma:versionID="141aba3b8f8cb7f331be6546df69db50">
   <xsd:schema xmlns:xsd="http://www.w3.org/2001/XMLSchema" xmlns:xs="http://www.w3.org/2001/XMLSchema" xmlns:p="http://schemas.microsoft.com/office/2006/metadata/properties" targetNamespace="http://schemas.microsoft.com/office/2006/metadata/properties" ma:root="true" ma:fieldsID="f8e4ef66d87525153bd8907774ed28f8">
     <xsd:element name="properties">
@@ -7003,12 +7257,6 @@
 </ct:contentTypeSchema>
 </file>
 
-<file path=customXml/item3.xml><?xml version="1.0" encoding="utf-8"?>
-<p:properties xmlns:p="http://schemas.microsoft.com/office/2006/metadata/properties" xmlns:xsi="http://www.w3.org/2001/XMLSchema-instance" xmlns:pc="http://schemas.microsoft.com/office/infopath/2007/PartnerControls">
-  <documentManagement/>
-</p:properties>
-</file>
-
 <file path=customXml/itemProps1.xml><?xml version="1.0" encoding="utf-8"?>
 <ds:datastoreItem xmlns:ds="http://schemas.openxmlformats.org/officeDocument/2006/customXml" ds:itemID="{9F7A874A-6E55-415B-9061-8B2D43DC2F48}">
   <ds:schemaRefs>
@@ -7018,6 +7266,21 @@
 </file>
 
 <file path=customXml/itemProps2.xml><?xml version="1.0" encoding="utf-8"?>
+<ds:datastoreItem xmlns:ds="http://schemas.openxmlformats.org/officeDocument/2006/customXml" ds:itemID="{91BC99BC-3A63-4255-9D4F-38C5B80A3193}">
+  <ds:schemaRefs>
+    <ds:schemaRef ds:uri="http://schemas.microsoft.com/office/2006/documentManagement/types"/>
+    <ds:schemaRef ds:uri="http://purl.org/dc/terms/"/>
+    <ds:schemaRef ds:uri="http://schemas.openxmlformats.org/package/2006/metadata/core-properties"/>
+    <ds:schemaRef ds:uri="http://purl.org/dc/dcmitype/"/>
+    <ds:schemaRef ds:uri="http://schemas.microsoft.com/office/infopath/2007/PartnerControls"/>
+    <ds:schemaRef ds:uri="http://purl.org/dc/elements/1.1/"/>
+    <ds:schemaRef ds:uri="http://schemas.microsoft.com/office/2006/metadata/properties"/>
+    <ds:schemaRef ds:uri="http://www.w3.org/XML/1998/namespace"/>
+  </ds:schemaRefs>
+</ds:datastoreItem>
+</file>
+
+<file path=customXml/itemProps3.xml><?xml version="1.0" encoding="utf-8"?>
 <ds:datastoreItem xmlns:ds="http://schemas.openxmlformats.org/officeDocument/2006/customXml" ds:itemID="{9896FEF9-821E-45A6-82F2-0B1CE4CD8CF4}">
   <ds:schemaRefs>
     <ds:schemaRef ds:uri="http://schemas.microsoft.com/office/2006/metadata/contentType"/>
@@ -7031,19 +7294,4 @@
     <ds:schemaRef ds:uri="http://schemas.microsoft.com/office/infopath/2007/PartnerControls"/>
   </ds:schemaRefs>
 </ds:datastoreItem>
-</file>
-
-<file path=customXml/itemProps3.xml><?xml version="1.0" encoding="utf-8"?>
-<ds:datastoreItem xmlns:ds="http://schemas.openxmlformats.org/officeDocument/2006/customXml" ds:itemID="{91BC99BC-3A63-4255-9D4F-38C5B80A3193}">
-  <ds:schemaRefs>
-    <ds:schemaRef ds:uri="http://schemas.microsoft.com/office/2006/documentManagement/types"/>
-    <ds:schemaRef ds:uri="http://purl.org/dc/terms/"/>
-    <ds:schemaRef ds:uri="http://schemas.openxmlformats.org/package/2006/metadata/core-properties"/>
-    <ds:schemaRef ds:uri="http://purl.org/dc/dcmitype/"/>
-    <ds:schemaRef ds:uri="http://schemas.microsoft.com/office/infopath/2007/PartnerControls"/>
-    <ds:schemaRef ds:uri="http://purl.org/dc/elements/1.1/"/>
-    <ds:schemaRef ds:uri="http://schemas.microsoft.com/office/2006/metadata/properties"/>
-    <ds:schemaRef ds:uri="http://www.w3.org/XML/1998/namespace"/>
-  </ds:schemaRefs>
-</ds:datastoreItem>
 </file>
--- a/Apresentação_Professoras.pptx
+++ b/Apresentação_Professoras.pptx
@@ -5,10 +5,10 @@
     <p:sldMasterId id="2147483648" r:id="rId4"/>
   </p:sldMasterIdLst>
   <p:notesMasterIdLst>
-    <p:notesMasterId r:id="rId14"/>
+    <p:notesMasterId r:id="rId15"/>
   </p:notesMasterIdLst>
   <p:handoutMasterIdLst>
-    <p:handoutMasterId r:id="rId15"/>
+    <p:handoutMasterId r:id="rId16"/>
   </p:handoutMasterIdLst>
   <p:sldIdLst>
     <p:sldId id="256" r:id="rId5"/>
@@ -17,9 +17,10 @@
     <p:sldId id="276" r:id="rId8"/>
     <p:sldId id="272" r:id="rId9"/>
     <p:sldId id="270" r:id="rId10"/>
-    <p:sldId id="269" r:id="rId11"/>
-    <p:sldId id="268" r:id="rId12"/>
-    <p:sldId id="258" r:id="rId13"/>
+    <p:sldId id="277" r:id="rId11"/>
+    <p:sldId id="269" r:id="rId12"/>
+    <p:sldId id="268" r:id="rId13"/>
+    <p:sldId id="258" r:id="rId14"/>
   </p:sldIdLst>
   <p:sldSz cx="12192000" cy="6858000"/>
   <p:notesSz cx="6858000" cy="9144000"/>
@@ -4273,6 +4274,124 @@
 </p:sld>
 </file>
 
+<file path=ppt/slides/slide10.xml><?xml version="1.0" encoding="utf-8"?>
+<p:sld xmlns:a="http://schemas.openxmlformats.org/drawingml/2006/main" xmlns:r="http://schemas.openxmlformats.org/officeDocument/2006/relationships" xmlns:p="http://schemas.openxmlformats.org/presentationml/2006/main">
+  <p:cSld>
+    <p:spTree>
+      <p:nvGrpSpPr>
+        <p:cNvPr id="1" name=""/>
+        <p:cNvGrpSpPr/>
+        <p:nvPr/>
+      </p:nvGrpSpPr>
+      <p:grpSpPr>
+        <a:xfrm>
+          <a:off x="0" y="0"/>
+          <a:ext cx="0" cy="0"/>
+          <a:chOff x="0" y="0"/>
+          <a:chExt cx="0" cy="0"/>
+        </a:xfrm>
+      </p:grpSpPr>
+      <p:sp>
+        <p:nvSpPr>
+          <p:cNvPr id="2" name="Título 1"/>
+          <p:cNvSpPr>
+            <a:spLocks noGrp="1"/>
+          </p:cNvSpPr>
+          <p:nvPr>
+            <p:ph type="title"/>
+          </p:nvPr>
+        </p:nvSpPr>
+        <p:spPr/>
+        <p:txBody>
+          <a:bodyPr/>
+          <a:lstStyle/>
+          <a:p>
+            <a:r>
+              <a:rPr lang="pt-PT" dirty="0" smtClean="0"/>
+              <a:t>Potencialidades </a:t>
+            </a:r>
+            <a:endParaRPr lang="en-GB" dirty="0"/>
+          </a:p>
+        </p:txBody>
+      </p:sp>
+      <p:sp>
+        <p:nvSpPr>
+          <p:cNvPr id="3" name="Marcador de Posição do Rodapé 2"/>
+          <p:cNvSpPr>
+            <a:spLocks noGrp="1"/>
+          </p:cNvSpPr>
+          <p:nvPr>
+            <p:ph type="ftr" sz="quarter" idx="11"/>
+          </p:nvPr>
+        </p:nvSpPr>
+        <p:spPr/>
+        <p:txBody>
+          <a:bodyPr/>
+          <a:lstStyle/>
+          <a:p>
+            <a:r>
+              <a:rPr lang="pt-PT" smtClean="0"/>
+              <a:t>SharedPen – Projecto de Sistemas de Informação 2014/15</a:t>
+            </a:r>
+            <a:endParaRPr lang="pt-PT" dirty="0"/>
+          </a:p>
+        </p:txBody>
+      </p:sp>
+      <p:sp>
+        <p:nvSpPr>
+          <p:cNvPr id="6" name="Marcador de Posição do Número do Diapositivo 5"/>
+          <p:cNvSpPr>
+            <a:spLocks noGrp="1"/>
+          </p:cNvSpPr>
+          <p:nvPr>
+            <p:ph type="sldNum" sz="quarter" idx="12"/>
+          </p:nvPr>
+        </p:nvSpPr>
+        <p:spPr/>
+        <p:txBody>
+          <a:bodyPr/>
+          <a:lstStyle/>
+          <a:p>
+            <a:fld id="{C0446EA9-11E0-46E3-AA0E-DE50AA790B19}" type="slidenum">
+              <a:rPr lang="pt-PT" smtClean="0"/>
+              <a:t>10</a:t>
+            </a:fld>
+            <a:endParaRPr lang="pt-PT" dirty="0" smtClean="0"/>
+          </a:p>
+        </p:txBody>
+      </p:sp>
+    </p:spTree>
+    <p:extLst>
+      <p:ext uri="{BB962C8B-B14F-4D97-AF65-F5344CB8AC3E}">
+        <p14:creationId xmlns:p14="http://schemas.microsoft.com/office/powerpoint/2010/main" val="2085518834"/>
+      </p:ext>
+    </p:extLst>
+  </p:cSld>
+  <p:clrMapOvr>
+    <a:masterClrMapping/>
+  </p:clrMapOvr>
+  <mc:AlternateContent xmlns:mc="http://schemas.openxmlformats.org/markup-compatibility/2006" xmlns:p14="http://schemas.microsoft.com/office/powerpoint/2010/main">
+    <mc:Choice Requires="p14">
+      <p:transition spd="med" p14:dur="700">
+        <p:fade/>
+      </p:transition>
+    </mc:Choice>
+    <mc:Fallback xmlns="">
+      <p:transition spd="med">
+        <p:fade/>
+      </p:transition>
+    </mc:Fallback>
+  </mc:AlternateContent>
+  <p:timing>
+    <p:tnLst>
+      <p:par>
+        <p:cTn id="1" dur="indefinite" restart="never" nodeType="tmRoot"/>
+      </p:par>
+    </p:tnLst>
+  </p:timing>
+</p:sld>
+</file>
+
 <file path=ppt/slides/slide2.xml><?xml version="1.0" encoding="utf-8"?>
 <p:sld xmlns:a="http://schemas.openxmlformats.org/drawingml/2006/main" xmlns:r="http://schemas.openxmlformats.org/officeDocument/2006/relationships" xmlns:p="http://schemas.openxmlformats.org/presentationml/2006/main">
   <p:cSld>
@@ -4835,11 +4954,7 @@
             <a:pPr algn="just"/>
             <a:r>
               <a:rPr lang="pt-PT" dirty="0" smtClean="0"/>
-              <a:t>Existem 3 tipos de utilizadores</a:t>
-            </a:r>
-            <a:r>
-              <a:rPr lang="pt-PT" dirty="0" smtClean="0"/>
-              <a:t>:</a:t>
+              <a:t>Existem 3 tipos de utilizadores:</a:t>
             </a:r>
           </a:p>
           <a:p>
@@ -4865,19 +4980,7 @@
             </a:r>
             <a:r>
               <a:rPr lang="pt-PT" dirty="0" smtClean="0"/>
-              <a:t>Pode aceder aos projetos abertos onde </a:t>
-            </a:r>
-            <a:r>
-              <a:rPr lang="pt-PT" dirty="0" smtClean="0"/>
-              <a:t>está </a:t>
-            </a:r>
-            <a:r>
-              <a:rPr lang="pt-PT" dirty="0" smtClean="0"/>
-              <a:t>inserido e visualizar os projetos nos quais </a:t>
-            </a:r>
-            <a:r>
-              <a:rPr lang="pt-PT" dirty="0" smtClean="0"/>
-              <a:t>participou.</a:t>
+              <a:t>Pode aceder aos projetos abertos onde está inserido e visualizar os projetos nos quais participou.</a:t>
             </a:r>
           </a:p>
           <a:p>
@@ -4898,19 +5001,7 @@
             </a:r>
             <a:r>
               <a:rPr lang="pt-PT" dirty="0" smtClean="0"/>
-              <a:t> Tem como função gerir os </a:t>
-            </a:r>
-            <a:r>
-              <a:rPr lang="pt-PT" dirty="0" smtClean="0"/>
-              <a:t>projetos, isto é, </a:t>
-            </a:r>
-            <a:r>
-              <a:rPr lang="pt-PT" dirty="0" smtClean="0"/>
-              <a:t>criar projeto, avaliar alunos/projetos, apagar e fechar os mesmos</a:t>
-            </a:r>
-            <a:r>
-              <a:rPr lang="pt-PT" dirty="0" smtClean="0"/>
-              <a:t>.</a:t>
+              <a:t> Tem como função gerir os projetos, isto é, criar projeto, avaliar alunos/projetos, apagar e fechar os mesmos.</a:t>
             </a:r>
           </a:p>
           <a:p>
@@ -4931,15 +5022,7 @@
             </a:r>
             <a:r>
               <a:rPr lang="pt-PT" dirty="0" smtClean="0"/>
-              <a:t>Utiliza menu </a:t>
-            </a:r>
-            <a:r>
-              <a:rPr lang="pt-PT" dirty="0" smtClean="0"/>
-              <a:t>de BackOffice </a:t>
-            </a:r>
-            <a:r>
-              <a:rPr lang="pt-PT" dirty="0" smtClean="0"/>
-              <a:t>para gerir alunos, professores e escolas/agrupamentos.</a:t>
+              <a:t>Utiliza menu de BackOffice para gerir alunos, professores e escolas/agrupamentos.</a:t>
             </a:r>
             <a:endParaRPr lang="pt-PT" dirty="0"/>
           </a:p>
@@ -4967,6 +5050,13 @@
       </p:transition>
     </mc:Fallback>
   </mc:AlternateContent>
+  <p:timing>
+    <p:tnLst>
+      <p:par>
+        <p:cTn id="1" dur="indefinite" restart="never" nodeType="tmRoot"/>
+      </p:par>
+    </p:tnLst>
+  </p:timing>
 </p:sld>
 </file>
 
@@ -5082,11 +5172,7 @@
             <a:pPr algn="just"/>
             <a:r>
               <a:rPr lang="pt-PT" dirty="0" smtClean="0"/>
-              <a:t>A criação de projeto é </a:t>
-            </a:r>
-            <a:r>
-              <a:rPr lang="pt-PT" dirty="0" smtClean="0"/>
-              <a:t>feita pelo professor.</a:t>
+              <a:t>A criação de projeto é feita pelo professor.</a:t>
             </a:r>
           </a:p>
           <a:p>
@@ -5097,59 +5183,7 @@
             <a:pPr algn="just"/>
             <a:r>
               <a:rPr lang="pt-PT" dirty="0" smtClean="0"/>
-              <a:t>Aqui será </a:t>
-            </a:r>
-            <a:r>
-              <a:rPr lang="pt-PT" dirty="0" smtClean="0"/>
-              <a:t>atribuído </a:t>
-            </a:r>
-            <a:r>
-              <a:rPr lang="pt-PT" dirty="0" smtClean="0"/>
-              <a:t>um </a:t>
-            </a:r>
-            <a:r>
-              <a:rPr lang="pt-PT" dirty="0" smtClean="0"/>
-              <a:t>nome </a:t>
-            </a:r>
-            <a:r>
-              <a:rPr lang="pt-PT" dirty="0" smtClean="0"/>
-              <a:t>ao </a:t>
-            </a:r>
-            <a:r>
-              <a:rPr lang="pt-PT" dirty="0" smtClean="0"/>
-              <a:t>projeto, </a:t>
-            </a:r>
-            <a:r>
-              <a:rPr lang="pt-PT" dirty="0" smtClean="0"/>
-              <a:t>será definido o</a:t>
-            </a:r>
-            <a:r>
-              <a:rPr lang="pt-PT" dirty="0" smtClean="0"/>
-              <a:t> </a:t>
-            </a:r>
-            <a:r>
-              <a:rPr lang="pt-PT" dirty="0" smtClean="0"/>
-              <a:t>tipo de </a:t>
-            </a:r>
-            <a:r>
-              <a:rPr lang="pt-PT" dirty="0" smtClean="0"/>
-              <a:t>projeto (</a:t>
-            </a:r>
-            <a:r>
-              <a:rPr lang="pt-PT" dirty="0" smtClean="0"/>
-              <a:t>livro, poema, desenho ou jornal), </a:t>
-            </a:r>
-            <a:r>
-              <a:rPr lang="pt-PT" dirty="0" smtClean="0"/>
-              <a:t>bem como os</a:t>
-            </a:r>
-            <a:r>
-              <a:rPr lang="pt-PT" dirty="0" smtClean="0"/>
-              <a:t> </a:t>
-            </a:r>
-            <a:r>
-              <a:rPr lang="pt-PT" dirty="0" smtClean="0"/>
-              <a:t>alunos/grupos/turmas que vão participar.</a:t>
+              <a:t>Aqui será atribuído um nome ao projeto, será definido o tipo de projeto (livro, poema, desenho ou jornal), bem como os alunos/grupos/turmas que vão participar.</a:t>
             </a:r>
           </a:p>
           <a:p>
@@ -5783,7 +5817,7 @@
           <a:p>
             <a:r>
               <a:rPr lang="pt-PT" dirty="0" smtClean="0"/>
-              <a:t>Tipos de páginas</a:t>
+              <a:t>Desenho</a:t>
             </a:r>
             <a:endParaRPr lang="en-GB" dirty="0"/>
           </a:p>
@@ -5812,92 +5846,9 @@
           </a:p>
         </p:txBody>
       </p:sp>
-      <p:pic>
-        <p:nvPicPr>
-          <p:cNvPr id="1026" name="Picture 2" descr="Capa"/>
-          <p:cNvPicPr>
-            <a:picLocks noChangeAspect="1" noChangeArrowheads="1"/>
-          </p:cNvPicPr>
-          <p:nvPr/>
-        </p:nvPicPr>
-        <p:blipFill>
-          <a:blip r:embed="rId2">
-            <a:extLst>
-              <a:ext uri="{28A0092B-C50C-407E-A947-70E740481C1C}">
-                <a14:useLocalDpi xmlns:a14="http://schemas.microsoft.com/office/drawing/2010/main" val="0"/>
-              </a:ext>
-            </a:extLst>
-          </a:blip>
-          <a:srcRect/>
-          <a:stretch>
-            <a:fillRect/>
-          </a:stretch>
-        </p:blipFill>
-        <p:spPr bwMode="auto">
-          <a:xfrm>
-            <a:off x="1363643" y="2833957"/>
-            <a:ext cx="723900" cy="1076326"/>
-          </a:xfrm>
-          <a:prstGeom prst="rect">
-            <a:avLst/>
-          </a:prstGeom>
-          <a:noFill/>
-          <a:ln>
-            <a:solidFill>
-              <a:schemeClr val="accent1"/>
-            </a:solidFill>
-          </a:ln>
-          <a:effectLst>
-            <a:softEdge rad="0"/>
-          </a:effectLst>
-          <a:extLst>
-            <a:ext uri="{909E8E84-426E-40DD-AFC4-6F175D3DCCD1}">
-              <a14:hiddenFill xmlns:a14="http://schemas.microsoft.com/office/drawing/2010/main">
-                <a:solidFill>
-                  <a:srgbClr val="FFFFFF"/>
-                </a:solidFill>
-              </a14:hiddenFill>
-            </a:ext>
-          </a:extLst>
-        </p:spPr>
-      </p:pic>
-      <p:sp>
-        <p:nvSpPr>
-          <p:cNvPr id="5" name="CaixaDeTexto 4"/>
-          <p:cNvSpPr txBox="1"/>
-          <p:nvPr/>
-        </p:nvSpPr>
-        <p:spPr>
-          <a:xfrm>
-            <a:off x="2491991" y="2833957"/>
-            <a:ext cx="2491991" cy="923330"/>
-          </a:xfrm>
-          <a:prstGeom prst="rect">
-            <a:avLst/>
-          </a:prstGeom>
-          <a:noFill/>
-        </p:spPr>
-        <p:txBody>
-          <a:bodyPr wrap="square" rtlCol="0">
-            <a:spAutoFit/>
-          </a:bodyPr>
-          <a:lstStyle/>
-          <a:p>
-            <a:r>
-              <a:rPr lang="pt-PT" b="1" dirty="0" smtClean="0"/>
-              <a:t>Capa</a:t>
-            </a:r>
-            <a:r>
-              <a:rPr lang="pt-PT" dirty="0" smtClean="0"/>
-              <a:t> – Contem uma imagem e uma área para Titulo</a:t>
-            </a:r>
-            <a:endParaRPr lang="en-GB" dirty="0"/>
-          </a:p>
-        </p:txBody>
-      </p:sp>
-      <p:sp>
-        <p:nvSpPr>
-          <p:cNvPr id="8" name="Marcador de Posição do Número do Diapositivo 7"/>
+      <p:sp>
+        <p:nvSpPr>
+          <p:cNvPr id="4" name="Marcador de Posição do Número do Diapositivo 3"/>
           <p:cNvSpPr>
             <a:spLocks noGrp="1"/>
           </p:cNvSpPr>
@@ -5910,8 +5861,9 @@
           <a:bodyPr/>
           <a:lstStyle/>
           <a:p>
-            <a:fld id="{0A735A47-44EB-4031-89B4-84AFE4BB36B0}" type="slidenum">
+            <a:fld id="{79668581-1D55-41DB-9662-4A1AFC42014E}" type="slidenum">
               <a:rPr lang="pt-PT" smtClean="0"/>
+              <a:pPr/>
               <a:t>7</a:t>
             </a:fld>
             <a:endParaRPr lang="pt-PT" dirty="0" smtClean="0"/>
@@ -5921,25 +5873,32 @@
     </p:spTree>
     <p:extLst>
       <p:ext uri="{BB962C8B-B14F-4D97-AF65-F5344CB8AC3E}">
-        <p14:creationId xmlns:p14="http://schemas.microsoft.com/office/powerpoint/2010/main" val="2927960678"/>
+        <p14:creationId xmlns:p14="http://schemas.microsoft.com/office/powerpoint/2010/main" val="892618768"/>
       </p:ext>
     </p:extLst>
   </p:cSld>
   <p:clrMapOvr>
     <a:masterClrMapping/>
   </p:clrMapOvr>
-  <mc:AlternateContent xmlns:mc="http://schemas.openxmlformats.org/markup-compatibility/2006" xmlns:p14="http://schemas.microsoft.com/office/powerpoint/2010/main">
-    <mc:Choice Requires="p14">
+  <mc:AlternateContent xmlns:mc="http://schemas.openxmlformats.org/markup-compatibility/2006">
+    <mc:Choice xmlns:p14="http://schemas.microsoft.com/office/powerpoint/2010/main" Requires="p14">
       <p:transition spd="med" p14:dur="700">
         <p:fade/>
       </p:transition>
     </mc:Choice>
-    <mc:Fallback xmlns="">
+    <mc:Fallback>
       <p:transition spd="med">
         <p:fade/>
       </p:transition>
     </mc:Fallback>
   </mc:AlternateContent>
+  <p:timing>
+    <p:tnLst>
+      <p:par>
+        <p:cTn id="1" dur="indefinite" restart="never" nodeType="tmRoot"/>
+      </p:par>
+    </p:tnLst>
+  </p:timing>
 </p:sld>
 </file>
 
@@ -5977,7 +5936,7 @@
           <a:p>
             <a:r>
               <a:rPr lang="pt-PT" dirty="0" smtClean="0"/>
-              <a:t>Chat </a:t>
+              <a:t>Tipos de páginas</a:t>
             </a:r>
             <a:endParaRPr lang="en-GB" dirty="0"/>
           </a:p>
@@ -5985,50 +5944,20 @@
       </p:sp>
       <p:sp>
         <p:nvSpPr>
-          <p:cNvPr id="4" name="Marcador de Posição do Texto 3"/>
-          <p:cNvSpPr>
-            <a:spLocks noGrp="1"/>
-          </p:cNvSpPr>
-          <p:nvPr>
-            <p:ph type="body" sz="half" idx="2"/>
+          <p:cNvPr id="3" name="Marcador de Posição do Rodapé 2"/>
+          <p:cNvSpPr>
+            <a:spLocks noGrp="1"/>
+          </p:cNvSpPr>
+          <p:nvPr>
+            <p:ph type="ftr" sz="quarter" idx="11"/>
           </p:nvPr>
         </p:nvSpPr>
         <p:spPr>
           <a:xfrm>
-            <a:off x="4398075" y="2141241"/>
-            <a:ext cx="5620132" cy="3806996"/>
-          </a:xfrm>
-        </p:spPr>
-        <p:txBody>
-          <a:bodyPr/>
-          <a:lstStyle/>
-          <a:p>
-            <a:pPr algn="just"/>
-            <a:r>
-              <a:rPr lang="pt-PT" dirty="0" smtClean="0"/>
-              <a:t>Este sistema permite aos alunos e docentes comunicar entre si durante o desenvolvimento do projeto, dentro ou fora de aula.</a:t>
-            </a:r>
-          </a:p>
-          <a:p>
-            <a:pPr algn="just"/>
-            <a:r>
-              <a:rPr lang="pt-PT" dirty="0" smtClean="0"/>
-              <a:t>Caso existam mensagens não lidas, o individuo será notificado através de um ícone com o numero de mensagens não lidas.</a:t>
-            </a:r>
-          </a:p>
-        </p:txBody>
-      </p:sp>
-      <p:sp>
-        <p:nvSpPr>
-          <p:cNvPr id="5" name="Marcador de Posição do Rodapé 4"/>
-          <p:cNvSpPr>
-            <a:spLocks noGrp="1"/>
-          </p:cNvSpPr>
-          <p:nvPr>
-            <p:ph type="ftr" sz="quarter" idx="11"/>
-          </p:nvPr>
-        </p:nvSpPr>
-        <p:spPr/>
+            <a:off x="3250583" y="6379052"/>
+            <a:ext cx="5687786" cy="365125"/>
+          </a:xfrm>
+        </p:spPr>
         <p:txBody>
           <a:bodyPr/>
           <a:lstStyle/>
@@ -6041,58 +5970,291 @@
           </a:p>
         </p:txBody>
       </p:sp>
+      <p:sp>
+        <p:nvSpPr>
+          <p:cNvPr id="5" name="CaixaDeTexto 4"/>
+          <p:cNvSpPr txBox="1"/>
+          <p:nvPr/>
+        </p:nvSpPr>
+        <p:spPr>
+          <a:xfrm>
+            <a:off x="2359602" y="2672593"/>
+            <a:ext cx="6580291" cy="2862322"/>
+          </a:xfrm>
+          <a:prstGeom prst="rect">
+            <a:avLst/>
+          </a:prstGeom>
+          <a:noFill/>
+        </p:spPr>
+        <p:txBody>
+          <a:bodyPr wrap="square" rtlCol="0">
+            <a:spAutoFit/>
+          </a:bodyPr>
+          <a:lstStyle/>
+          <a:p>
+            <a:r>
+              <a:rPr lang="pt-PT" b="1" dirty="0" smtClean="0"/>
+              <a:t>Capa</a:t>
+            </a:r>
+            <a:r>
+              <a:rPr lang="pt-PT" dirty="0" smtClean="0"/>
+              <a:t> – Contem uma imagem e uma área para </a:t>
+            </a:r>
+            <a:r>
+              <a:rPr lang="pt-PT" dirty="0" smtClean="0"/>
+              <a:t>Titulo</a:t>
+            </a:r>
+          </a:p>
+          <a:p>
+            <a:endParaRPr lang="pt-PT" dirty="0" smtClean="0"/>
+          </a:p>
+          <a:p>
+            <a:endParaRPr lang="pt-PT" dirty="0" smtClean="0"/>
+          </a:p>
+          <a:p>
+            <a:endParaRPr lang="pt-PT" dirty="0" smtClean="0"/>
+          </a:p>
+          <a:p>
+            <a:r>
+              <a:rPr lang="pt-PT" b="1" dirty="0" smtClean="0"/>
+              <a:t>Pagina em branco </a:t>
+            </a:r>
+            <a:r>
+              <a:rPr lang="pt-PT" dirty="0" smtClean="0"/>
+              <a:t>– Pode conter imagens, texto, ou juncão dos dois</a:t>
+            </a:r>
+          </a:p>
+          <a:p>
+            <a:endParaRPr lang="pt-PT" dirty="0" smtClean="0"/>
+          </a:p>
+          <a:p>
+            <a:endParaRPr lang="pt-PT" dirty="0"/>
+          </a:p>
+          <a:p>
+            <a:endParaRPr lang="pt-PT" dirty="0"/>
+          </a:p>
+          <a:p>
+            <a:r>
+              <a:rPr lang="pt-PT" b="1" dirty="0" smtClean="0"/>
+              <a:t>Desenho </a:t>
+            </a:r>
+            <a:r>
+              <a:rPr lang="pt-PT" dirty="0" smtClean="0"/>
+              <a:t>– Contem uma tela na qual os alunos fazem desenhos</a:t>
+            </a:r>
+          </a:p>
+          <a:p>
+            <a:endParaRPr lang="en-GB" dirty="0"/>
+          </a:p>
+        </p:txBody>
+      </p:sp>
+      <p:sp>
+        <p:nvSpPr>
+          <p:cNvPr id="8" name="Marcador de Posição do Número do Diapositivo 7"/>
+          <p:cNvSpPr>
+            <a:spLocks noGrp="1"/>
+          </p:cNvSpPr>
+          <p:nvPr>
+            <p:ph type="sldNum" sz="quarter" idx="12"/>
+          </p:nvPr>
+        </p:nvSpPr>
+        <p:spPr/>
+        <p:txBody>
+          <a:bodyPr/>
+          <a:lstStyle/>
+          <a:p>
+            <a:fld id="{0A735A47-44EB-4031-89B4-84AFE4BB36B0}" type="slidenum">
+              <a:rPr lang="pt-PT" smtClean="0"/>
+              <a:t>8</a:t>
+            </a:fld>
+            <a:endParaRPr lang="pt-PT" dirty="0" smtClean="0"/>
+          </a:p>
+        </p:txBody>
+      </p:sp>
       <p:pic>
         <p:nvPicPr>
-          <p:cNvPr id="11" name="Imagem 10"/>
+          <p:cNvPr id="4" name="Imagem 3"/>
           <p:cNvPicPr>
             <a:picLocks noChangeAspect="1"/>
           </p:cNvPicPr>
           <p:nvPr/>
         </p:nvPicPr>
         <p:blipFill>
-          <a:blip r:embed="rId2"/>
+          <a:blip r:embed="rId2">
+            <a:extLst>
+              <a:ext uri="{28A0092B-C50C-407E-A947-70E740481C1C}">
+                <a14:useLocalDpi xmlns:a14="http://schemas.microsoft.com/office/drawing/2010/main" val="0"/>
+              </a:ext>
+            </a:extLst>
+          </a:blip>
           <a:stretch>
             <a:fillRect/>
           </a:stretch>
         </p:blipFill>
         <p:spPr>
           <a:xfrm>
-            <a:off x="1280160" y="2141240"/>
-            <a:ext cx="2178050" cy="4215110"/>
+            <a:off x="1762071" y="4666034"/>
+            <a:ext cx="505998" cy="752339"/>
           </a:xfrm>
           <a:prstGeom prst="rect">
             <a:avLst/>
           </a:prstGeom>
+          <a:solidFill>
+            <a:srgbClr val="FFFFFF">
+              <a:shade val="85000"/>
+            </a:srgbClr>
+          </a:solidFill>
+          <a:ln w="88900" cap="sq">
+            <a:solidFill>
+              <a:srgbClr val="FFFFFF"/>
+            </a:solidFill>
+            <a:miter lim="800000"/>
+          </a:ln>
+          <a:effectLst>
+            <a:outerShdw blurRad="55000" dist="18000" dir="5400000" algn="tl" rotWithShape="0">
+              <a:srgbClr val="000000">
+                <a:alpha val="40000"/>
+              </a:srgbClr>
+            </a:outerShdw>
+          </a:effectLst>
+          <a:scene3d>
+            <a:camera prst="orthographicFront"/>
+            <a:lightRig rig="twoPt" dir="t">
+              <a:rot lat="0" lon="0" rev="7200000"/>
+            </a:lightRig>
+          </a:scene3d>
+          <a:sp3d>
+            <a:bevelT w="25400" h="19050"/>
+            <a:contourClr>
+              <a:srgbClr val="FFFFFF"/>
+            </a:contourClr>
+          </a:sp3d>
         </p:spPr>
       </p:pic>
-      <p:sp>
-        <p:nvSpPr>
-          <p:cNvPr id="7" name="Marcador de Posição do Número do Diapositivo 6"/>
-          <p:cNvSpPr>
-            <a:spLocks noGrp="1"/>
-          </p:cNvSpPr>
-          <p:nvPr>
-            <p:ph type="sldNum" sz="quarter" idx="12"/>
-          </p:nvPr>
-        </p:nvSpPr>
-        <p:spPr/>
-        <p:txBody>
-          <a:bodyPr/>
-          <a:lstStyle/>
-          <a:p>
-            <a:pPr rtl="0"/>
-            <a:fld id="{5CFCF75F-3FDE-42C1-B742-B476AC284FAE}" type="slidenum">
-              <a:rPr lang="pt-PT" smtClean="0"/>
-              <a:t>8</a:t>
-            </a:fld>
-            <a:endParaRPr lang="pt-PT" dirty="0"/>
-          </a:p>
-        </p:txBody>
-      </p:sp>
+      <p:pic>
+        <p:nvPicPr>
+          <p:cNvPr id="6" name="Imagem 5"/>
+          <p:cNvPicPr>
+            <a:picLocks noChangeAspect="1"/>
+          </p:cNvPicPr>
+          <p:nvPr/>
+        </p:nvPicPr>
+        <p:blipFill>
+          <a:blip r:embed="rId3">
+            <a:extLst>
+              <a:ext uri="{28A0092B-C50C-407E-A947-70E740481C1C}">
+                <a14:useLocalDpi xmlns:a14="http://schemas.microsoft.com/office/drawing/2010/main" val="0"/>
+              </a:ext>
+            </a:extLst>
+          </a:blip>
+          <a:stretch>
+            <a:fillRect/>
+          </a:stretch>
+        </p:blipFill>
+        <p:spPr>
+          <a:xfrm>
+            <a:off x="1762072" y="3636135"/>
+            <a:ext cx="505997" cy="752339"/>
+          </a:xfrm>
+          <a:prstGeom prst="rect">
+            <a:avLst/>
+          </a:prstGeom>
+          <a:solidFill>
+            <a:srgbClr val="FFFFFF">
+              <a:shade val="85000"/>
+            </a:srgbClr>
+          </a:solidFill>
+          <a:ln w="88900" cap="sq">
+            <a:solidFill>
+              <a:srgbClr val="FFFFFF"/>
+            </a:solidFill>
+            <a:miter lim="800000"/>
+          </a:ln>
+          <a:effectLst>
+            <a:outerShdw blurRad="55000" dist="18000" dir="5400000" algn="tl" rotWithShape="0">
+              <a:srgbClr val="000000">
+                <a:alpha val="40000"/>
+              </a:srgbClr>
+            </a:outerShdw>
+          </a:effectLst>
+          <a:scene3d>
+            <a:camera prst="orthographicFront"/>
+            <a:lightRig rig="twoPt" dir="t">
+              <a:rot lat="0" lon="0" rev="7200000"/>
+            </a:lightRig>
+          </a:scene3d>
+          <a:sp3d>
+            <a:bevelT w="25400" h="19050"/>
+            <a:contourClr>
+              <a:srgbClr val="FFFFFF"/>
+            </a:contourClr>
+          </a:sp3d>
+        </p:spPr>
+      </p:pic>
+      <p:pic>
+        <p:nvPicPr>
+          <p:cNvPr id="7" name="Imagem 6"/>
+          <p:cNvPicPr>
+            <a:picLocks noChangeAspect="1"/>
+          </p:cNvPicPr>
+          <p:nvPr/>
+        </p:nvPicPr>
+        <p:blipFill>
+          <a:blip r:embed="rId4">
+            <a:extLst>
+              <a:ext uri="{28A0092B-C50C-407E-A947-70E740481C1C}">
+                <a14:useLocalDpi xmlns:a14="http://schemas.microsoft.com/office/drawing/2010/main" val="0"/>
+              </a:ext>
+            </a:extLst>
+          </a:blip>
+          <a:stretch>
+            <a:fillRect/>
+          </a:stretch>
+        </p:blipFill>
+        <p:spPr>
+          <a:xfrm>
+            <a:off x="1762072" y="2553176"/>
+            <a:ext cx="505998" cy="752339"/>
+          </a:xfrm>
+          <a:prstGeom prst="rect">
+            <a:avLst/>
+          </a:prstGeom>
+          <a:solidFill>
+            <a:srgbClr val="FFFFFF">
+              <a:shade val="85000"/>
+            </a:srgbClr>
+          </a:solidFill>
+          <a:ln w="88900" cap="sq">
+            <a:solidFill>
+              <a:srgbClr val="FFFFFF"/>
+            </a:solidFill>
+            <a:miter lim="800000"/>
+          </a:ln>
+          <a:effectLst>
+            <a:outerShdw blurRad="55000" dist="18000" dir="5400000" algn="tl" rotWithShape="0">
+              <a:srgbClr val="000000">
+                <a:alpha val="40000"/>
+              </a:srgbClr>
+            </a:outerShdw>
+          </a:effectLst>
+          <a:scene3d>
+            <a:camera prst="orthographicFront"/>
+            <a:lightRig rig="twoPt" dir="t">
+              <a:rot lat="0" lon="0" rev="7200000"/>
+            </a:lightRig>
+          </a:scene3d>
+          <a:sp3d>
+            <a:bevelT w="25400" h="19050"/>
+            <a:contourClr>
+              <a:srgbClr val="FFFFFF"/>
+            </a:contourClr>
+          </a:sp3d>
+        </p:spPr>
+      </p:pic>
     </p:spTree>
     <p:extLst>
       <p:ext uri="{BB962C8B-B14F-4D97-AF65-F5344CB8AC3E}">
-        <p14:creationId xmlns:p14="http://schemas.microsoft.com/office/powerpoint/2010/main" val="2704919131"/>
+        <p14:creationId xmlns:p14="http://schemas.microsoft.com/office/powerpoint/2010/main" val="2927960678"/>
       </p:ext>
     </p:extLst>
   </p:cSld>
@@ -6155,7 +6317,7 @@
           <a:p>
             <a:r>
               <a:rPr lang="pt-PT" dirty="0" smtClean="0"/>
-              <a:t>Potencialidades </a:t>
+              <a:t>Chat </a:t>
             </a:r>
             <a:endParaRPr lang="en-GB" dirty="0"/>
           </a:p>
@@ -6163,7 +6325,42 @@
       </p:sp>
       <p:sp>
         <p:nvSpPr>
-          <p:cNvPr id="3" name="Marcador de Posição do Rodapé 2"/>
+          <p:cNvPr id="4" name="Marcador de Posição do Texto 3"/>
+          <p:cNvSpPr>
+            <a:spLocks noGrp="1"/>
+          </p:cNvSpPr>
+          <p:nvPr>
+            <p:ph type="body" sz="half" idx="2"/>
+          </p:nvPr>
+        </p:nvSpPr>
+        <p:spPr>
+          <a:xfrm>
+            <a:off x="4398075" y="2141241"/>
+            <a:ext cx="5620132" cy="3806996"/>
+          </a:xfrm>
+        </p:spPr>
+        <p:txBody>
+          <a:bodyPr/>
+          <a:lstStyle/>
+          <a:p>
+            <a:pPr algn="just"/>
+            <a:r>
+              <a:rPr lang="pt-PT" dirty="0" smtClean="0"/>
+              <a:t>Este sistema permite aos alunos e docentes comunicar entre si durante o desenvolvimento do projeto, dentro ou fora de aula.</a:t>
+            </a:r>
+          </a:p>
+          <a:p>
+            <a:pPr algn="just"/>
+            <a:r>
+              <a:rPr lang="pt-PT" dirty="0" smtClean="0"/>
+              <a:t>Caso existam mensagens não lidas, o individuo será notificado através de um ícone com o numero de mensagens não lidas.</a:t>
+            </a:r>
+          </a:p>
+        </p:txBody>
+      </p:sp>
+      <p:sp>
+        <p:nvSpPr>
+          <p:cNvPr id="5" name="Marcador de Posição do Rodapé 4"/>
           <p:cNvSpPr>
             <a:spLocks noGrp="1"/>
           </p:cNvSpPr>
@@ -6184,9 +6381,33 @@
           </a:p>
         </p:txBody>
       </p:sp>
-      <p:sp>
-        <p:nvSpPr>
-          <p:cNvPr id="6" name="Marcador de Posição do Número do Diapositivo 5"/>
+      <p:pic>
+        <p:nvPicPr>
+          <p:cNvPr id="11" name="Imagem 10"/>
+          <p:cNvPicPr>
+            <a:picLocks noChangeAspect="1"/>
+          </p:cNvPicPr>
+          <p:nvPr/>
+        </p:nvPicPr>
+        <p:blipFill>
+          <a:blip r:embed="rId2"/>
+          <a:stretch>
+            <a:fillRect/>
+          </a:stretch>
+        </p:blipFill>
+        <p:spPr>
+          <a:xfrm>
+            <a:off x="1280160" y="2141240"/>
+            <a:ext cx="2178050" cy="4215110"/>
+          </a:xfrm>
+          <a:prstGeom prst="rect">
+            <a:avLst/>
+          </a:prstGeom>
+        </p:spPr>
+      </p:pic>
+      <p:sp>
+        <p:nvSpPr>
+          <p:cNvPr id="7" name="Marcador de Posição do Número do Diapositivo 6"/>
           <p:cNvSpPr>
             <a:spLocks noGrp="1"/>
           </p:cNvSpPr>
@@ -6199,18 +6420,19 @@
           <a:bodyPr/>
           <a:lstStyle/>
           <a:p>
-            <a:fld id="{C0446EA9-11E0-46E3-AA0E-DE50AA790B19}" type="slidenum">
+            <a:pPr rtl="0"/>
+            <a:fld id="{5CFCF75F-3FDE-42C1-B742-B476AC284FAE}" type="slidenum">
               <a:rPr lang="pt-PT" smtClean="0"/>
               <a:t>9</a:t>
             </a:fld>
-            <a:endParaRPr lang="pt-PT" dirty="0" smtClean="0"/>
+            <a:endParaRPr lang="pt-PT" dirty="0"/>
           </a:p>
         </p:txBody>
       </p:sp>
     </p:spTree>
     <p:extLst>
       <p:ext uri="{BB962C8B-B14F-4D97-AF65-F5344CB8AC3E}">
-        <p14:creationId xmlns:p14="http://schemas.microsoft.com/office/powerpoint/2010/main" val="2085518834"/>
+        <p14:creationId xmlns:p14="http://schemas.microsoft.com/office/powerpoint/2010/main" val="2704919131"/>
       </p:ext>
     </p:extLst>
   </p:cSld>
@@ -7032,6 +7254,12 @@
 </file>
 
 <file path=customXml/item2.xml><?xml version="1.0" encoding="utf-8"?>
+<p:properties xmlns:p="http://schemas.microsoft.com/office/2006/metadata/properties" xmlns:xsi="http://www.w3.org/2001/XMLSchema-instance" xmlns:pc="http://schemas.microsoft.com/office/infopath/2007/PartnerControls">
+  <documentManagement/>
+</p:properties>
+</file>
+
+<file path=customXml/item3.xml><?xml version="1.0" encoding="utf-8"?>
 <ct:contentTypeSchema xmlns:ct="http://schemas.microsoft.com/office/2006/metadata/contentType" xmlns:ma="http://schemas.microsoft.com/office/2006/metadata/properties/metaAttributes" ct:_="" ma:_="" ma:contentTypeName="Document" ma:contentTypeID="0x0101007C1D5F340F01F94FA2FD29A5E6DC872E" ma:contentTypeVersion="0" ma:contentTypeDescription="Create a new document." ma:contentTypeScope="" ma:versionID="141aba3b8f8cb7f331be6546df69db50">
   <xsd:schema xmlns:xsd="http://www.w3.org/2001/XMLSchema" xmlns:xs="http://www.w3.org/2001/XMLSchema" xmlns:p="http://schemas.microsoft.com/office/2006/metadata/properties" targetNamespace="http://schemas.microsoft.com/office/2006/metadata/properties" ma:root="true" ma:fieldsID="f8e4ef66d87525153bd8907774ed28f8">
     <xsd:element name="properties">
@@ -7145,12 +7373,6 @@
 </ct:contentTypeSchema>
 </file>
 
-<file path=customXml/item3.xml><?xml version="1.0" encoding="utf-8"?>
-<p:properties xmlns:p="http://schemas.microsoft.com/office/2006/metadata/properties" xmlns:xsi="http://www.w3.org/2001/XMLSchema-instance" xmlns:pc="http://schemas.microsoft.com/office/infopath/2007/PartnerControls">
-  <documentManagement/>
-</p:properties>
-</file>
-
 <file path=customXml/itemProps1.xml><?xml version="1.0" encoding="utf-8"?>
 <ds:datastoreItem xmlns:ds="http://schemas.openxmlformats.org/officeDocument/2006/customXml" ds:itemID="{9F7A874A-6E55-415B-9061-8B2D43DC2F48}">
   <ds:schemaRefs>
@@ -7160,6 +7382,21 @@
 </file>
 
 <file path=customXml/itemProps2.xml><?xml version="1.0" encoding="utf-8"?>
+<ds:datastoreItem xmlns:ds="http://schemas.openxmlformats.org/officeDocument/2006/customXml" ds:itemID="{91BC99BC-3A63-4255-9D4F-38C5B80A3193}">
+  <ds:schemaRefs>
+    <ds:schemaRef ds:uri="http://schemas.microsoft.com/office/2006/documentManagement/types"/>
+    <ds:schemaRef ds:uri="http://purl.org/dc/terms/"/>
+    <ds:schemaRef ds:uri="http://schemas.openxmlformats.org/package/2006/metadata/core-properties"/>
+    <ds:schemaRef ds:uri="http://purl.org/dc/dcmitype/"/>
+    <ds:schemaRef ds:uri="http://schemas.microsoft.com/office/infopath/2007/PartnerControls"/>
+    <ds:schemaRef ds:uri="http://purl.org/dc/elements/1.1/"/>
+    <ds:schemaRef ds:uri="http://schemas.microsoft.com/office/2006/metadata/properties"/>
+    <ds:schemaRef ds:uri="http://www.w3.org/XML/1998/namespace"/>
+  </ds:schemaRefs>
+</ds:datastoreItem>
+</file>
+
+<file path=customXml/itemProps3.xml><?xml version="1.0" encoding="utf-8"?>
 <ds:datastoreItem xmlns:ds="http://schemas.openxmlformats.org/officeDocument/2006/customXml" ds:itemID="{9896FEF9-821E-45A6-82F2-0B1CE4CD8CF4}">
   <ds:schemaRefs>
     <ds:schemaRef ds:uri="http://schemas.microsoft.com/office/2006/metadata/contentType"/>
@@ -7173,19 +7410,4 @@
     <ds:schemaRef ds:uri="http://schemas.microsoft.com/office/infopath/2007/PartnerControls"/>
   </ds:schemaRefs>
 </ds:datastoreItem>
-</file>
-
-<file path=customXml/itemProps3.xml><?xml version="1.0" encoding="utf-8"?>
-<ds:datastoreItem xmlns:ds="http://schemas.openxmlformats.org/officeDocument/2006/customXml" ds:itemID="{91BC99BC-3A63-4255-9D4F-38C5B80A3193}">
-  <ds:schemaRefs>
-    <ds:schemaRef ds:uri="http://schemas.microsoft.com/office/2006/documentManagement/types"/>
-    <ds:schemaRef ds:uri="http://purl.org/dc/terms/"/>
-    <ds:schemaRef ds:uri="http://schemas.openxmlformats.org/package/2006/metadata/core-properties"/>
-    <ds:schemaRef ds:uri="http://purl.org/dc/dcmitype/"/>
-    <ds:schemaRef ds:uri="http://schemas.microsoft.com/office/infopath/2007/PartnerControls"/>
-    <ds:schemaRef ds:uri="http://purl.org/dc/elements/1.1/"/>
-    <ds:schemaRef ds:uri="http://schemas.microsoft.com/office/2006/metadata/properties"/>
-    <ds:schemaRef ds:uri="http://www.w3.org/XML/1998/namespace"/>
-  </ds:schemaRefs>
-</ds:datastoreItem>
 </file>